--- a/blog/Lucene/索引文件/fdx&&fdt/fdx&&fdt.pptx
+++ b/blog/Lucene/索引文件/fdx&&fdt/fdx&&fdt.pptx
@@ -274,7 +274,7 @@
           <a:p>
             <a:fld id="{2579BE28-8116-0E46-93C2-74159096E69E}" type="datetimeFigureOut">
               <a:rPr kumimoji="1" lang="zh-CN" altLang="en-US" smtClean="0"/>
-              <a:t>2019/5/21</a:t>
+              <a:t>2020/10/13</a:t>
             </a:fld>
             <a:endParaRPr kumimoji="1" lang="zh-CN" altLang="en-US"/>
           </a:p>
@@ -472,7 +472,7 @@
           <a:p>
             <a:fld id="{2579BE28-8116-0E46-93C2-74159096E69E}" type="datetimeFigureOut">
               <a:rPr kumimoji="1" lang="zh-CN" altLang="en-US" smtClean="0"/>
-              <a:t>2019/5/21</a:t>
+              <a:t>2020/10/13</a:t>
             </a:fld>
             <a:endParaRPr kumimoji="1" lang="zh-CN" altLang="en-US"/>
           </a:p>
@@ -680,7 +680,7 @@
           <a:p>
             <a:fld id="{2579BE28-8116-0E46-93C2-74159096E69E}" type="datetimeFigureOut">
               <a:rPr kumimoji="1" lang="zh-CN" altLang="en-US" smtClean="0"/>
-              <a:t>2019/5/21</a:t>
+              <a:t>2020/10/13</a:t>
             </a:fld>
             <a:endParaRPr kumimoji="1" lang="zh-CN" altLang="en-US"/>
           </a:p>
@@ -878,7 +878,7 @@
           <a:p>
             <a:fld id="{2579BE28-8116-0E46-93C2-74159096E69E}" type="datetimeFigureOut">
               <a:rPr kumimoji="1" lang="zh-CN" altLang="en-US" smtClean="0"/>
-              <a:t>2019/5/21</a:t>
+              <a:t>2020/10/13</a:t>
             </a:fld>
             <a:endParaRPr kumimoji="1" lang="zh-CN" altLang="en-US"/>
           </a:p>
@@ -1153,7 +1153,7 @@
           <a:p>
             <a:fld id="{2579BE28-8116-0E46-93C2-74159096E69E}" type="datetimeFigureOut">
               <a:rPr kumimoji="1" lang="zh-CN" altLang="en-US" smtClean="0"/>
-              <a:t>2019/5/21</a:t>
+              <a:t>2020/10/13</a:t>
             </a:fld>
             <a:endParaRPr kumimoji="1" lang="zh-CN" altLang="en-US"/>
           </a:p>
@@ -1418,7 +1418,7 @@
           <a:p>
             <a:fld id="{2579BE28-8116-0E46-93C2-74159096E69E}" type="datetimeFigureOut">
               <a:rPr kumimoji="1" lang="zh-CN" altLang="en-US" smtClean="0"/>
-              <a:t>2019/5/21</a:t>
+              <a:t>2020/10/13</a:t>
             </a:fld>
             <a:endParaRPr kumimoji="1" lang="zh-CN" altLang="en-US"/>
           </a:p>
@@ -1830,7 +1830,7 @@
           <a:p>
             <a:fld id="{2579BE28-8116-0E46-93C2-74159096E69E}" type="datetimeFigureOut">
               <a:rPr kumimoji="1" lang="zh-CN" altLang="en-US" smtClean="0"/>
-              <a:t>2019/5/21</a:t>
+              <a:t>2020/10/13</a:t>
             </a:fld>
             <a:endParaRPr kumimoji="1" lang="zh-CN" altLang="en-US"/>
           </a:p>
@@ -1971,7 +1971,7 @@
           <a:p>
             <a:fld id="{2579BE28-8116-0E46-93C2-74159096E69E}" type="datetimeFigureOut">
               <a:rPr kumimoji="1" lang="zh-CN" altLang="en-US" smtClean="0"/>
-              <a:t>2019/5/21</a:t>
+              <a:t>2020/10/13</a:t>
             </a:fld>
             <a:endParaRPr kumimoji="1" lang="zh-CN" altLang="en-US"/>
           </a:p>
@@ -2084,7 +2084,7 @@
           <a:p>
             <a:fld id="{2579BE28-8116-0E46-93C2-74159096E69E}" type="datetimeFigureOut">
               <a:rPr kumimoji="1" lang="zh-CN" altLang="en-US" smtClean="0"/>
-              <a:t>2019/5/21</a:t>
+              <a:t>2020/10/13</a:t>
             </a:fld>
             <a:endParaRPr kumimoji="1" lang="zh-CN" altLang="en-US"/>
           </a:p>
@@ -2395,7 +2395,7 @@
           <a:p>
             <a:fld id="{2579BE28-8116-0E46-93C2-74159096E69E}" type="datetimeFigureOut">
               <a:rPr kumimoji="1" lang="zh-CN" altLang="en-US" smtClean="0"/>
-              <a:t>2019/5/21</a:t>
+              <a:t>2020/10/13</a:t>
             </a:fld>
             <a:endParaRPr kumimoji="1" lang="zh-CN" altLang="en-US"/>
           </a:p>
@@ -2683,7 +2683,7 @@
           <a:p>
             <a:fld id="{2579BE28-8116-0E46-93C2-74159096E69E}" type="datetimeFigureOut">
               <a:rPr kumimoji="1" lang="zh-CN" altLang="en-US" smtClean="0"/>
-              <a:t>2019/5/21</a:t>
+              <a:t>2020/10/13</a:t>
             </a:fld>
             <a:endParaRPr kumimoji="1" lang="zh-CN" altLang="en-US"/>
           </a:p>
@@ -2924,7 +2924,7 @@
           <a:p>
             <a:fld id="{2579BE28-8116-0E46-93C2-74159096E69E}" type="datetimeFigureOut">
               <a:rPr kumimoji="1" lang="zh-CN" altLang="en-US" smtClean="0"/>
-              <a:t>2019/5/21</a:t>
+              <a:t>2020/10/13</a:t>
             </a:fld>
             <a:endParaRPr kumimoji="1" lang="zh-CN" altLang="en-US"/>
           </a:p>
@@ -3356,13 +3356,13 @@
           <p:nvPr>
             <p:extLst>
               <p:ext uri="{D42A27DB-BD31-4B8C-83A1-F6EECF244321}">
-                <p14:modId xmlns:p14="http://schemas.microsoft.com/office/powerpoint/2010/main" val="3835948514"/>
+                <p14:modId xmlns:p14="http://schemas.microsoft.com/office/powerpoint/2010/main" val="1091488286"/>
               </p:ext>
             </p:extLst>
           </p:nvPr>
         </p:nvGraphicFramePr>
         <p:xfrm>
-          <a:off x="599906" y="2818130"/>
+          <a:off x="748762" y="2818129"/>
           <a:ext cx="5889600" cy="370840"/>
         </p:xfrm>
         <a:graphic>
@@ -3386,14 +3386,14 @@
                     </a:ext>
                   </a:extLst>
                 </a:gridCol>
-                <a:gridCol w="1472400">
+                <a:gridCol w="1846001">
                   <a:extLst>
                     <a:ext uri="{9D8B030D-6E8A-4147-A177-3AD203B41FA5}">
                       <a16:colId xmlns:a16="http://schemas.microsoft.com/office/drawing/2014/main" val="2845361826"/>
                     </a:ext>
                   </a:extLst>
                 </a:gridCol>
-                <a:gridCol w="1472400">
+                <a:gridCol w="1098799">
                   <a:extLst>
                     <a:ext uri="{9D8B030D-6E8A-4147-A177-3AD203B41FA5}">
                       <a16:colId xmlns:a16="http://schemas.microsoft.com/office/drawing/2014/main" val="2192670918"/>
@@ -3707,13 +3707,13 @@
           <p:nvPr>
             <p:extLst>
               <p:ext uri="{D42A27DB-BD31-4B8C-83A1-F6EECF244321}">
-                <p14:modId xmlns:p14="http://schemas.microsoft.com/office/powerpoint/2010/main" val="1886726028"/>
+                <p14:modId xmlns:p14="http://schemas.microsoft.com/office/powerpoint/2010/main" val="2334031376"/>
               </p:ext>
             </p:extLst>
           </p:nvPr>
         </p:nvGraphicFramePr>
         <p:xfrm>
-          <a:off x="7059487" y="2817376"/>
+          <a:off x="7208343" y="2817375"/>
           <a:ext cx="4425948" cy="370840"/>
         </p:xfrm>
         <a:graphic>
@@ -3723,21 +3723,28 @@
                 <a:tableStyleId>{5C22544A-7EE6-4342-B048-85BDC9FD1C3A}</a:tableStyleId>
               </a:tblPr>
               <a:tblGrid>
-                <a:gridCol w="1475316">
+                <a:gridCol w="1106487">
                   <a:extLst>
                     <a:ext uri="{9D8B030D-6E8A-4147-A177-3AD203B41FA5}">
                       <a16:colId xmlns:a16="http://schemas.microsoft.com/office/drawing/2014/main" val="2278590028"/>
                     </a:ext>
                   </a:extLst>
                 </a:gridCol>
-                <a:gridCol w="1475316">
+                <a:gridCol w="1106487">
                   <a:extLst>
                     <a:ext uri="{9D8B030D-6E8A-4147-A177-3AD203B41FA5}">
                       <a16:colId xmlns:a16="http://schemas.microsoft.com/office/drawing/2014/main" val="2845361826"/>
                     </a:ext>
                   </a:extLst>
                 </a:gridCol>
-                <a:gridCol w="1475316">
+                <a:gridCol w="1498321">
+                  <a:extLst>
+                    <a:ext uri="{9D8B030D-6E8A-4147-A177-3AD203B41FA5}">
+                      <a16:colId xmlns:a16="http://schemas.microsoft.com/office/drawing/2014/main" val="708524445"/>
+                    </a:ext>
+                  </a:extLst>
+                </a:gridCol>
+                <a:gridCol w="714653">
                   <a:extLst>
                     <a:ext uri="{9D8B030D-6E8A-4147-A177-3AD203B41FA5}">
                       <a16:colId xmlns:a16="http://schemas.microsoft.com/office/drawing/2014/main" val="2192670918"/>
@@ -3828,6 +3835,73 @@
                     <a:p>
                       <a:pPr algn="ctr"/>
                       <a:r>
+                        <a:rPr lang="en" altLang="zh-CN" sz="1200" b="1" i="0" kern="1200" dirty="0">
+                          <a:solidFill>
+                            <a:schemeClr val="tx1"/>
+                          </a:solidFill>
+                          <a:effectLst/>
+                          <a:latin typeface="+mn-lt"/>
+                          <a:ea typeface="+mn-ea"/>
+                          <a:cs typeface="+mn-cs"/>
+                        </a:rPr>
+                        <a:t>ChunkCount</a:t>
+                      </a:r>
+                      <a:endParaRPr lang="zh-CN" altLang="en-US" sz="1200" b="1" i="0" dirty="0">
+                        <a:solidFill>
+                          <a:schemeClr val="tx1"/>
+                        </a:solidFill>
+                      </a:endParaRPr>
+                    </a:p>
+                  </a:txBody>
+                  <a:tcPr anchor="ctr">
+                    <a:lnL w="12700" cap="flat" cmpd="sng" algn="ctr">
+                      <a:solidFill>
+                        <a:schemeClr val="tx1"/>
+                      </a:solidFill>
+                      <a:prstDash val="solid"/>
+                      <a:round/>
+                      <a:headEnd type="none" w="med" len="med"/>
+                      <a:tailEnd type="none" w="med" len="med"/>
+                    </a:lnL>
+                    <a:lnR w="12700" cap="flat" cmpd="sng" algn="ctr">
+                      <a:solidFill>
+                        <a:schemeClr val="tx1"/>
+                      </a:solidFill>
+                      <a:prstDash val="solid"/>
+                      <a:round/>
+                      <a:headEnd type="none" w="med" len="med"/>
+                      <a:tailEnd type="none" w="med" len="med"/>
+                    </a:lnR>
+                    <a:lnT w="12700" cap="flat" cmpd="sng" algn="ctr">
+                      <a:solidFill>
+                        <a:schemeClr val="tx1"/>
+                      </a:solidFill>
+                      <a:prstDash val="solid"/>
+                      <a:round/>
+                      <a:headEnd type="none" w="med" len="med"/>
+                      <a:tailEnd type="none" w="med" len="med"/>
+                    </a:lnT>
+                    <a:lnB w="12700" cap="flat" cmpd="sng" algn="ctr">
+                      <a:solidFill>
+                        <a:schemeClr val="tx1"/>
+                      </a:solidFill>
+                      <a:prstDash val="solid"/>
+                      <a:round/>
+                      <a:headEnd type="none" w="med" len="med"/>
+                      <a:tailEnd type="none" w="med" len="med"/>
+                    </a:lnB>
+                    <a:solidFill>
+                      <a:schemeClr val="bg1"/>
+                    </a:solidFill>
+                  </a:tcPr>
+                </a:tc>
+                <a:tc>
+                  <a:txBody>
+                    <a:bodyPr/>
+                    <a:lstStyle/>
+                    <a:p>
+                      <a:pPr algn="ctr"/>
+                      <a:r>
                         <a:rPr lang="en-US" altLang="zh-CN" sz="1200" b="1" i="0" kern="1200" dirty="0">
                           <a:solidFill>
                             <a:schemeClr val="tx1"/>
@@ -3979,7 +4053,7 @@
         </p:nvSpPr>
         <p:spPr>
           <a:xfrm>
-            <a:off x="6488497" y="2818130"/>
+            <a:off x="6637353" y="2818129"/>
             <a:ext cx="570990" cy="369332"/>
           </a:xfrm>
           <a:prstGeom prst="rect">
@@ -4023,7 +4097,7 @@
         </p:nvSpPr>
         <p:spPr>
           <a:xfrm>
-            <a:off x="6062418" y="2039007"/>
+            <a:off x="6211274" y="2039006"/>
             <a:ext cx="660758" cy="461665"/>
           </a:xfrm>
           <a:prstGeom prst="rect">
@@ -5153,710 +5227,6 @@
           <a:chExt cx="0" cy="0"/>
         </a:xfrm>
       </p:grpSpPr>
-      <p:graphicFrame>
-        <p:nvGraphicFramePr>
-          <p:cNvPr id="4" name="表格 3">
-            <a:extLst>
-              <a:ext uri="{FF2B5EF4-FFF2-40B4-BE49-F238E27FC236}">
-                <a16:creationId xmlns:a16="http://schemas.microsoft.com/office/drawing/2014/main" id="{F67F2FCF-15E5-5549-900D-2FD3B999E9E3}"/>
-              </a:ext>
-            </a:extLst>
-          </p:cNvPr>
-          <p:cNvGraphicFramePr>
-            <a:graphicFrameLocks noGrp="1"/>
-          </p:cNvGraphicFramePr>
-          <p:nvPr>
-            <p:extLst>
-              <p:ext uri="{D42A27DB-BD31-4B8C-83A1-F6EECF244321}">
-                <p14:modId xmlns:p14="http://schemas.microsoft.com/office/powerpoint/2010/main" val="573611830"/>
-              </p:ext>
-            </p:extLst>
-          </p:nvPr>
-        </p:nvGraphicFramePr>
-        <p:xfrm>
-          <a:off x="633360" y="779123"/>
-          <a:ext cx="5889600" cy="370840"/>
-        </p:xfrm>
-        <a:graphic>
-          <a:graphicData uri="http://schemas.openxmlformats.org/drawingml/2006/table">
-            <a:tbl>
-              <a:tblPr firstRow="1" bandRow="1">
-                <a:tableStyleId>{5C22544A-7EE6-4342-B048-85BDC9FD1C3A}</a:tableStyleId>
-              </a:tblPr>
-              <a:tblGrid>
-                <a:gridCol w="1472400">
-                  <a:extLst>
-                    <a:ext uri="{9D8B030D-6E8A-4147-A177-3AD203B41FA5}">
-                      <a16:colId xmlns:a16="http://schemas.microsoft.com/office/drawing/2014/main" val="2278590028"/>
-                    </a:ext>
-                  </a:extLst>
-                </a:gridCol>
-                <a:gridCol w="1472400">
-                  <a:extLst>
-                    <a:ext uri="{9D8B030D-6E8A-4147-A177-3AD203B41FA5}">
-                      <a16:colId xmlns:a16="http://schemas.microsoft.com/office/drawing/2014/main" val="4080892430"/>
-                    </a:ext>
-                  </a:extLst>
-                </a:gridCol>
-                <a:gridCol w="1472400">
-                  <a:extLst>
-                    <a:ext uri="{9D8B030D-6E8A-4147-A177-3AD203B41FA5}">
-                      <a16:colId xmlns:a16="http://schemas.microsoft.com/office/drawing/2014/main" val="2845361826"/>
-                    </a:ext>
-                  </a:extLst>
-                </a:gridCol>
-                <a:gridCol w="1472400">
-                  <a:extLst>
-                    <a:ext uri="{9D8B030D-6E8A-4147-A177-3AD203B41FA5}">
-                      <a16:colId xmlns:a16="http://schemas.microsoft.com/office/drawing/2014/main" val="2192670918"/>
-                    </a:ext>
-                  </a:extLst>
-                </a:gridCol>
-              </a:tblGrid>
-              <a:tr h="370840">
-                <a:tc>
-                  <a:txBody>
-                    <a:bodyPr/>
-                    <a:lstStyle/>
-                    <a:p>
-                      <a:pPr algn="ctr"/>
-                      <a:r>
-                        <a:rPr lang="en-US" altLang="zh-CN" sz="1200" b="1" i="0" kern="1200" dirty="0">
-                          <a:solidFill>
-                            <a:schemeClr val="tx1"/>
-                          </a:solidFill>
-                          <a:effectLst/>
-                          <a:latin typeface="+mn-lt"/>
-                          <a:ea typeface="+mn-ea"/>
-                          <a:cs typeface="+mn-cs"/>
-                        </a:rPr>
-                        <a:t>Header</a:t>
-                      </a:r>
-                      <a:endParaRPr lang="zh-CN" altLang="en-US" sz="1200" b="1" i="0" dirty="0">
-                        <a:solidFill>
-                          <a:schemeClr val="tx1"/>
-                        </a:solidFill>
-                      </a:endParaRPr>
-                    </a:p>
-                  </a:txBody>
-                  <a:tcPr anchor="ctr">
-                    <a:lnL w="12700" cap="flat" cmpd="sng" algn="ctr">
-                      <a:solidFill>
-                        <a:schemeClr val="tx1"/>
-                      </a:solidFill>
-                      <a:prstDash val="solid"/>
-                      <a:round/>
-                      <a:headEnd type="none" w="med" len="med"/>
-                      <a:tailEnd type="none" w="med" len="med"/>
-                    </a:lnL>
-                    <a:lnR w="12700" cap="flat" cmpd="sng" algn="ctr">
-                      <a:solidFill>
-                        <a:schemeClr val="tx1"/>
-                      </a:solidFill>
-                      <a:prstDash val="solid"/>
-                      <a:round/>
-                      <a:headEnd type="none" w="med" len="med"/>
-                      <a:tailEnd type="none" w="med" len="med"/>
-                    </a:lnR>
-                    <a:lnT w="12700" cap="flat" cmpd="sng" algn="ctr">
-                      <a:solidFill>
-                        <a:schemeClr val="tx1"/>
-                      </a:solidFill>
-                      <a:prstDash val="solid"/>
-                      <a:round/>
-                      <a:headEnd type="none" w="med" len="med"/>
-                      <a:tailEnd type="none" w="med" len="med"/>
-                    </a:lnT>
-                    <a:lnB w="12700" cap="flat" cmpd="sng" algn="ctr">
-                      <a:solidFill>
-                        <a:schemeClr val="tx1"/>
-                      </a:solidFill>
-                      <a:prstDash val="solid"/>
-                      <a:round/>
-                      <a:headEnd type="none" w="med" len="med"/>
-                      <a:tailEnd type="none" w="med" len="med"/>
-                    </a:lnB>
-                    <a:lnTlToBr w="12700" cmpd="sng">
-                      <a:noFill/>
-                      <a:prstDash val="solid"/>
-                    </a:lnTlToBr>
-                    <a:lnBlToTr w="12700" cmpd="sng">
-                      <a:noFill/>
-                      <a:prstDash val="solid"/>
-                    </a:lnBlToTr>
-                    <a:solidFill>
-                      <a:srgbClr val="0070C0"/>
-                    </a:solidFill>
-                  </a:tcPr>
-                </a:tc>
-                <a:tc>
-                  <a:txBody>
-                    <a:bodyPr/>
-                    <a:lstStyle/>
-                    <a:p>
-                      <a:pPr algn="ctr"/>
-                      <a:r>
-                        <a:rPr lang="en-US" altLang="zh-CN" sz="1200" b="1" i="0" dirty="0">
-                          <a:solidFill>
-                            <a:schemeClr val="tx1"/>
-                          </a:solidFill>
-                        </a:rPr>
-                        <a:t>ChunkSize</a:t>
-                      </a:r>
-                      <a:endParaRPr lang="zh-CN" altLang="en-US" sz="1200" b="1" i="0" dirty="0">
-                        <a:solidFill>
-                          <a:schemeClr val="tx1"/>
-                        </a:solidFill>
-                      </a:endParaRPr>
-                    </a:p>
-                  </a:txBody>
-                  <a:tcPr anchor="ctr">
-                    <a:lnL w="12700" cap="flat" cmpd="sng" algn="ctr">
-                      <a:solidFill>
-                        <a:schemeClr val="tx1"/>
-                      </a:solidFill>
-                      <a:prstDash val="solid"/>
-                      <a:round/>
-                      <a:headEnd type="none" w="med" len="med"/>
-                      <a:tailEnd type="none" w="med" len="med"/>
-                    </a:lnL>
-                    <a:lnR w="12700" cap="flat" cmpd="sng" algn="ctr">
-                      <a:solidFill>
-                        <a:schemeClr val="tx1"/>
-                      </a:solidFill>
-                      <a:prstDash val="solid"/>
-                      <a:round/>
-                      <a:headEnd type="none" w="med" len="med"/>
-                      <a:tailEnd type="none" w="med" len="med"/>
-                    </a:lnR>
-                    <a:lnT w="12700" cap="flat" cmpd="sng" algn="ctr">
-                      <a:solidFill>
-                        <a:schemeClr val="tx1"/>
-                      </a:solidFill>
-                      <a:prstDash val="solid"/>
-                      <a:round/>
-                      <a:headEnd type="none" w="med" len="med"/>
-                      <a:tailEnd type="none" w="med" len="med"/>
-                    </a:lnT>
-                    <a:lnB w="12700" cap="flat" cmpd="sng" algn="ctr">
-                      <a:solidFill>
-                        <a:schemeClr val="tx1"/>
-                      </a:solidFill>
-                      <a:prstDash val="solid"/>
-                      <a:round/>
-                      <a:headEnd type="none" w="med" len="med"/>
-                      <a:tailEnd type="none" w="med" len="med"/>
-                    </a:lnB>
-                    <a:lnTlToBr w="12700" cmpd="sng">
-                      <a:noFill/>
-                      <a:prstDash val="solid"/>
-                    </a:lnTlToBr>
-                    <a:lnBlToTr w="12700" cmpd="sng">
-                      <a:noFill/>
-                      <a:prstDash val="solid"/>
-                    </a:lnBlToTr>
-                    <a:solidFill>
-                      <a:schemeClr val="bg1"/>
-                    </a:solidFill>
-                  </a:tcPr>
-                </a:tc>
-                <a:tc>
-                  <a:txBody>
-                    <a:bodyPr/>
-                    <a:lstStyle/>
-                    <a:p>
-                      <a:pPr algn="ctr"/>
-                      <a:r>
-                        <a:rPr lang="en-US" altLang="zh-CN" sz="1200" b="1" i="0" kern="1200" dirty="0">
-                          <a:solidFill>
-                            <a:schemeClr val="tx1"/>
-                          </a:solidFill>
-                          <a:effectLst/>
-                          <a:latin typeface="+mn-lt"/>
-                          <a:ea typeface="+mn-ea"/>
-                          <a:cs typeface="+mn-cs"/>
-                        </a:rPr>
-                        <a:t>PackedIntsVersion</a:t>
-                      </a:r>
-                      <a:endParaRPr lang="zh-CN" altLang="en-US" sz="1200" b="0" i="0" dirty="0">
-                        <a:solidFill>
-                          <a:schemeClr val="tx1"/>
-                        </a:solidFill>
-                      </a:endParaRPr>
-                    </a:p>
-                  </a:txBody>
-                  <a:tcPr anchor="ctr">
-                    <a:lnL w="12700" cap="flat" cmpd="sng" algn="ctr">
-                      <a:solidFill>
-                        <a:schemeClr val="tx1"/>
-                      </a:solidFill>
-                      <a:prstDash val="solid"/>
-                      <a:round/>
-                      <a:headEnd type="none" w="med" len="med"/>
-                      <a:tailEnd type="none" w="med" len="med"/>
-                    </a:lnL>
-                    <a:lnR w="12700" cap="flat" cmpd="sng" algn="ctr">
-                      <a:solidFill>
-                        <a:schemeClr val="tx1"/>
-                      </a:solidFill>
-                      <a:prstDash val="solid"/>
-                      <a:round/>
-                      <a:headEnd type="none" w="med" len="med"/>
-                      <a:tailEnd type="none" w="med" len="med"/>
-                    </a:lnR>
-                    <a:lnT w="12700" cap="flat" cmpd="sng" algn="ctr">
-                      <a:solidFill>
-                        <a:schemeClr val="tx1"/>
-                      </a:solidFill>
-                      <a:prstDash val="solid"/>
-                      <a:round/>
-                      <a:headEnd type="none" w="med" len="med"/>
-                      <a:tailEnd type="none" w="med" len="med"/>
-                    </a:lnT>
-                    <a:lnB w="12700" cap="flat" cmpd="sng" algn="ctr">
-                      <a:solidFill>
-                        <a:schemeClr val="tx1"/>
-                      </a:solidFill>
-                      <a:prstDash val="solid"/>
-                      <a:round/>
-                      <a:headEnd type="none" w="med" len="med"/>
-                      <a:tailEnd type="none" w="med" len="med"/>
-                    </a:lnB>
-                    <a:solidFill>
-                      <a:schemeClr val="bg1"/>
-                    </a:solidFill>
-                  </a:tcPr>
-                </a:tc>
-                <a:tc>
-                  <a:txBody>
-                    <a:bodyPr/>
-                    <a:lstStyle/>
-                    <a:p>
-                      <a:pPr algn="ctr"/>
-                      <a:r>
-                        <a:rPr lang="en-US" altLang="zh-CN" sz="1200" b="1" i="0" kern="1200" dirty="0">
-                          <a:solidFill>
-                            <a:schemeClr val="tx1"/>
-                          </a:solidFill>
-                          <a:effectLst/>
-                          <a:latin typeface="+mn-lt"/>
-                          <a:ea typeface="+mn-ea"/>
-                          <a:cs typeface="+mn-cs"/>
-                        </a:rPr>
-                        <a:t>Chunk</a:t>
-                      </a:r>
-                      <a:endParaRPr lang="zh-CN" altLang="en-US" sz="1200" b="0" i="0" dirty="0">
-                        <a:solidFill>
-                          <a:schemeClr val="tx1"/>
-                        </a:solidFill>
-                      </a:endParaRPr>
-                    </a:p>
-                  </a:txBody>
-                  <a:tcPr anchor="ctr">
-                    <a:lnL w="12700" cap="flat" cmpd="sng" algn="ctr">
-                      <a:solidFill>
-                        <a:schemeClr val="tx1"/>
-                      </a:solidFill>
-                      <a:prstDash val="solid"/>
-                      <a:round/>
-                      <a:headEnd type="none" w="med" len="med"/>
-                      <a:tailEnd type="none" w="med" len="med"/>
-                    </a:lnL>
-                    <a:lnR w="12700" cap="flat" cmpd="sng" algn="ctr">
-                      <a:solidFill>
-                        <a:schemeClr val="tx1"/>
-                      </a:solidFill>
-                      <a:prstDash val="solid"/>
-                      <a:round/>
-                      <a:headEnd type="none" w="med" len="med"/>
-                      <a:tailEnd type="none" w="med" len="med"/>
-                    </a:lnR>
-                    <a:lnT w="12700" cap="flat" cmpd="sng" algn="ctr">
-                      <a:solidFill>
-                        <a:schemeClr val="tx1"/>
-                      </a:solidFill>
-                      <a:prstDash val="solid"/>
-                      <a:round/>
-                      <a:headEnd type="none" w="med" len="med"/>
-                      <a:tailEnd type="none" w="med" len="med"/>
-                    </a:lnT>
-                    <a:lnB w="12700" cap="flat" cmpd="sng" algn="ctr">
-                      <a:solidFill>
-                        <a:schemeClr val="tx1"/>
-                      </a:solidFill>
-                      <a:prstDash val="solid"/>
-                      <a:round/>
-                      <a:headEnd type="none" w="med" len="med"/>
-                      <a:tailEnd type="none" w="med" len="med"/>
-                    </a:lnB>
-                    <a:solidFill>
-                      <a:srgbClr val="00B0F0"/>
-                    </a:solidFill>
-                  </a:tcPr>
-                </a:tc>
-                <a:extLst>
-                  <a:ext uri="{0D108BD9-81ED-4DB2-BD59-A6C34878D82A}">
-                    <a16:rowId xmlns:a16="http://schemas.microsoft.com/office/drawing/2014/main" val="1027363210"/>
-                  </a:ext>
-                </a:extLst>
-              </a:tr>
-            </a:tbl>
-          </a:graphicData>
-        </a:graphic>
-      </p:graphicFrame>
-      <p:graphicFrame>
-        <p:nvGraphicFramePr>
-          <p:cNvPr id="5" name="表格 4">
-            <a:extLst>
-              <a:ext uri="{FF2B5EF4-FFF2-40B4-BE49-F238E27FC236}">
-                <a16:creationId xmlns:a16="http://schemas.microsoft.com/office/drawing/2014/main" id="{E0C1FC1B-0E39-894D-ACD1-12AFE7E226F6}"/>
-              </a:ext>
-            </a:extLst>
-          </p:cNvPr>
-          <p:cNvGraphicFramePr>
-            <a:graphicFrameLocks noGrp="1"/>
-          </p:cNvGraphicFramePr>
-          <p:nvPr>
-            <p:extLst>
-              <p:ext uri="{D42A27DB-BD31-4B8C-83A1-F6EECF244321}">
-                <p14:modId xmlns:p14="http://schemas.microsoft.com/office/powerpoint/2010/main" val="3439606682"/>
-              </p:ext>
-            </p:extLst>
-          </p:nvPr>
-        </p:nvGraphicFramePr>
-        <p:xfrm>
-          <a:off x="7092941" y="778369"/>
-          <a:ext cx="4425948" cy="370840"/>
-        </p:xfrm>
-        <a:graphic>
-          <a:graphicData uri="http://schemas.openxmlformats.org/drawingml/2006/table">
-            <a:tbl>
-              <a:tblPr firstRow="1" bandRow="1">
-                <a:tableStyleId>{5C22544A-7EE6-4342-B048-85BDC9FD1C3A}</a:tableStyleId>
-              </a:tblPr>
-              <a:tblGrid>
-                <a:gridCol w="1475316">
-                  <a:extLst>
-                    <a:ext uri="{9D8B030D-6E8A-4147-A177-3AD203B41FA5}">
-                      <a16:colId xmlns:a16="http://schemas.microsoft.com/office/drawing/2014/main" val="2278590028"/>
-                    </a:ext>
-                  </a:extLst>
-                </a:gridCol>
-                <a:gridCol w="1475316">
-                  <a:extLst>
-                    <a:ext uri="{9D8B030D-6E8A-4147-A177-3AD203B41FA5}">
-                      <a16:colId xmlns:a16="http://schemas.microsoft.com/office/drawing/2014/main" val="2845361826"/>
-                    </a:ext>
-                  </a:extLst>
-                </a:gridCol>
-                <a:gridCol w="1475316">
-                  <a:extLst>
-                    <a:ext uri="{9D8B030D-6E8A-4147-A177-3AD203B41FA5}">
-                      <a16:colId xmlns:a16="http://schemas.microsoft.com/office/drawing/2014/main" val="2192670918"/>
-                    </a:ext>
-                  </a:extLst>
-                </a:gridCol>
-              </a:tblGrid>
-              <a:tr h="370840">
-                <a:tc>
-                  <a:txBody>
-                    <a:bodyPr/>
-                    <a:lstStyle/>
-                    <a:p>
-                      <a:pPr algn="ctr"/>
-                      <a:r>
-                        <a:rPr lang="en-US" altLang="zh-CN" sz="1200" b="1" i="0" kern="1200" dirty="0">
-                          <a:solidFill>
-                            <a:schemeClr val="tx1"/>
-                          </a:solidFill>
-                          <a:effectLst/>
-                          <a:latin typeface="+mn-lt"/>
-                          <a:ea typeface="+mn-ea"/>
-                          <a:cs typeface="+mn-cs"/>
-                        </a:rPr>
-                        <a:t>Chunk</a:t>
-                      </a:r>
-                      <a:endParaRPr lang="zh-CN" altLang="en-US" sz="1200" b="1" i="0" dirty="0">
-                        <a:solidFill>
-                          <a:schemeClr val="tx1"/>
-                        </a:solidFill>
-                      </a:endParaRPr>
-                    </a:p>
-                  </a:txBody>
-                  <a:tcPr anchor="ctr">
-                    <a:lnL w="12700" cap="flat" cmpd="sng" algn="ctr">
-                      <a:solidFill>
-                        <a:schemeClr val="tx1"/>
-                      </a:solidFill>
-                      <a:prstDash val="solid"/>
-                      <a:round/>
-                      <a:headEnd type="none" w="med" len="med"/>
-                      <a:tailEnd type="none" w="med" len="med"/>
-                    </a:lnL>
-                    <a:lnR w="12700" cap="flat" cmpd="sng" algn="ctr">
-                      <a:solidFill>
-                        <a:schemeClr val="tx1"/>
-                      </a:solidFill>
-                      <a:prstDash val="solid"/>
-                      <a:round/>
-                      <a:headEnd type="none" w="med" len="med"/>
-                      <a:tailEnd type="none" w="med" len="med"/>
-                    </a:lnR>
-                    <a:lnT w="12700" cap="flat" cmpd="sng" algn="ctr">
-                      <a:solidFill>
-                        <a:schemeClr val="tx1"/>
-                      </a:solidFill>
-                      <a:prstDash val="solid"/>
-                      <a:round/>
-                      <a:headEnd type="none" w="med" len="med"/>
-                      <a:tailEnd type="none" w="med" len="med"/>
-                    </a:lnT>
-                    <a:lnB w="12700" cap="flat" cmpd="sng" algn="ctr">
-                      <a:solidFill>
-                        <a:schemeClr val="tx1"/>
-                      </a:solidFill>
-                      <a:prstDash val="solid"/>
-                      <a:round/>
-                      <a:headEnd type="none" w="med" len="med"/>
-                      <a:tailEnd type="none" w="med" len="med"/>
-                    </a:lnB>
-                    <a:lnTlToBr w="12700" cmpd="sng">
-                      <a:noFill/>
-                      <a:prstDash val="solid"/>
-                    </a:lnTlToBr>
-                    <a:lnBlToTr w="12700" cmpd="sng">
-                      <a:noFill/>
-                      <a:prstDash val="solid"/>
-                    </a:lnBlToTr>
-                    <a:solidFill>
-                      <a:srgbClr val="00B0F0"/>
-                    </a:solidFill>
-                  </a:tcPr>
-                </a:tc>
-                <a:tc>
-                  <a:txBody>
-                    <a:bodyPr/>
-                    <a:lstStyle/>
-                    <a:p>
-                      <a:pPr algn="ctr"/>
-                      <a:r>
-                        <a:rPr lang="en-US" altLang="zh-CN" sz="1200" b="1" i="0" kern="1200" dirty="0">
-                          <a:solidFill>
-                            <a:schemeClr val="tx1"/>
-                          </a:solidFill>
-                          <a:effectLst/>
-                          <a:latin typeface="+mn-lt"/>
-                          <a:ea typeface="+mn-ea"/>
-                          <a:cs typeface="+mn-cs"/>
-                        </a:rPr>
-                        <a:t>DirtyChunkCount</a:t>
-                      </a:r>
-                      <a:endParaRPr lang="zh-CN" altLang="en-US" sz="1200" b="1" i="0" dirty="0">
-                        <a:solidFill>
-                          <a:schemeClr val="tx1"/>
-                        </a:solidFill>
-                      </a:endParaRPr>
-                    </a:p>
-                  </a:txBody>
-                  <a:tcPr anchor="ctr">
-                    <a:lnL w="12700" cap="flat" cmpd="sng" algn="ctr">
-                      <a:solidFill>
-                        <a:schemeClr val="tx1"/>
-                      </a:solidFill>
-                      <a:prstDash val="solid"/>
-                      <a:round/>
-                      <a:headEnd type="none" w="med" len="med"/>
-                      <a:tailEnd type="none" w="med" len="med"/>
-                    </a:lnL>
-                    <a:lnR w="12700" cap="flat" cmpd="sng" algn="ctr">
-                      <a:solidFill>
-                        <a:schemeClr val="tx1"/>
-                      </a:solidFill>
-                      <a:prstDash val="solid"/>
-                      <a:round/>
-                      <a:headEnd type="none" w="med" len="med"/>
-                      <a:tailEnd type="none" w="med" len="med"/>
-                    </a:lnR>
-                    <a:lnT w="12700" cap="flat" cmpd="sng" algn="ctr">
-                      <a:solidFill>
-                        <a:schemeClr val="tx1"/>
-                      </a:solidFill>
-                      <a:prstDash val="solid"/>
-                      <a:round/>
-                      <a:headEnd type="none" w="med" len="med"/>
-                      <a:tailEnd type="none" w="med" len="med"/>
-                    </a:lnT>
-                    <a:lnB w="12700" cap="flat" cmpd="sng" algn="ctr">
-                      <a:solidFill>
-                        <a:schemeClr val="tx1"/>
-                      </a:solidFill>
-                      <a:prstDash val="solid"/>
-                      <a:round/>
-                      <a:headEnd type="none" w="med" len="med"/>
-                      <a:tailEnd type="none" w="med" len="med"/>
-                    </a:lnB>
-                    <a:solidFill>
-                      <a:schemeClr val="bg1"/>
-                    </a:solidFill>
-                  </a:tcPr>
-                </a:tc>
-                <a:tc>
-                  <a:txBody>
-                    <a:bodyPr/>
-                    <a:lstStyle/>
-                    <a:p>
-                      <a:pPr algn="ctr"/>
-                      <a:r>
-                        <a:rPr lang="en-US" altLang="zh-CN" sz="1200" b="1" i="0" kern="1200" dirty="0">
-                          <a:solidFill>
-                            <a:schemeClr val="tx1"/>
-                          </a:solidFill>
-                          <a:effectLst/>
-                          <a:latin typeface="+mn-lt"/>
-                          <a:ea typeface="+mn-ea"/>
-                          <a:cs typeface="+mn-cs"/>
-                        </a:rPr>
-                        <a:t>Footer</a:t>
-                      </a:r>
-                      <a:endParaRPr lang="zh-CN" altLang="en-US" sz="1200" b="1" i="0" dirty="0">
-                        <a:solidFill>
-                          <a:schemeClr val="tx1"/>
-                        </a:solidFill>
-                      </a:endParaRPr>
-                    </a:p>
-                  </a:txBody>
-                  <a:tcPr anchor="ctr">
-                    <a:lnL w="12700" cap="flat" cmpd="sng" algn="ctr">
-                      <a:solidFill>
-                        <a:schemeClr val="tx1"/>
-                      </a:solidFill>
-                      <a:prstDash val="solid"/>
-                      <a:round/>
-                      <a:headEnd type="none" w="med" len="med"/>
-                      <a:tailEnd type="none" w="med" len="med"/>
-                    </a:lnL>
-                    <a:lnR w="12700" cap="flat" cmpd="sng" algn="ctr">
-                      <a:solidFill>
-                        <a:schemeClr val="tx1"/>
-                      </a:solidFill>
-                      <a:prstDash val="solid"/>
-                      <a:round/>
-                      <a:headEnd type="none" w="med" len="med"/>
-                      <a:tailEnd type="none" w="med" len="med"/>
-                    </a:lnR>
-                    <a:lnT w="12700" cap="flat" cmpd="sng" algn="ctr">
-                      <a:solidFill>
-                        <a:schemeClr val="tx1"/>
-                      </a:solidFill>
-                      <a:prstDash val="solid"/>
-                      <a:round/>
-                      <a:headEnd type="none" w="med" len="med"/>
-                      <a:tailEnd type="none" w="med" len="med"/>
-                    </a:lnT>
-                    <a:lnB w="12700" cap="flat" cmpd="sng" algn="ctr">
-                      <a:solidFill>
-                        <a:schemeClr val="tx1"/>
-                      </a:solidFill>
-                      <a:prstDash val="solid"/>
-                      <a:round/>
-                      <a:headEnd type="none" w="med" len="med"/>
-                      <a:tailEnd type="none" w="med" len="med"/>
-                    </a:lnB>
-                    <a:solidFill>
-                      <a:srgbClr val="7030A0"/>
-                    </a:solidFill>
-                  </a:tcPr>
-                </a:tc>
-                <a:extLst>
-                  <a:ext uri="{0D108BD9-81ED-4DB2-BD59-A6C34878D82A}">
-                    <a16:rowId xmlns:a16="http://schemas.microsoft.com/office/drawing/2014/main" val="1027363210"/>
-                  </a:ext>
-                </a:extLst>
-              </a:tr>
-            </a:tbl>
-          </a:graphicData>
-        </a:graphic>
-      </p:graphicFrame>
-      <p:sp>
-        <p:nvSpPr>
-          <p:cNvPr id="6" name="文本框 5">
-            <a:extLst>
-              <a:ext uri="{FF2B5EF4-FFF2-40B4-BE49-F238E27FC236}">
-                <a16:creationId xmlns:a16="http://schemas.microsoft.com/office/drawing/2014/main" id="{6AB86438-4373-C247-9A54-6B80610F318F}"/>
-              </a:ext>
-            </a:extLst>
-          </p:cNvPr>
-          <p:cNvSpPr txBox="1"/>
-          <p:nvPr/>
-        </p:nvSpPr>
-        <p:spPr>
-          <a:xfrm>
-            <a:off x="6521951" y="779123"/>
-            <a:ext cx="570990" cy="369332"/>
-          </a:xfrm>
-          <a:prstGeom prst="rect">
-            <a:avLst/>
-          </a:prstGeom>
-          <a:noFill/>
-        </p:spPr>
-        <p:txBody>
-          <a:bodyPr wrap="square" rtlCol="0">
-            <a:spAutoFit/>
-          </a:bodyPr>
-          <a:lstStyle/>
-          <a:p>
-            <a:r>
-              <a:rPr kumimoji="1" lang="en-US" altLang="zh-CN" dirty="0"/>
-              <a:t>…</a:t>
-            </a:r>
-            <a:r>
-              <a:rPr kumimoji="1" lang="zh-CN" altLang="en-US" dirty="0"/>
-              <a:t> </a:t>
-            </a:r>
-            <a:r>
-              <a:rPr kumimoji="1" lang="en-US" altLang="zh-CN" dirty="0"/>
-              <a:t>…</a:t>
-            </a:r>
-            <a:endParaRPr kumimoji="1" lang="zh-CN" altLang="en-US" dirty="0"/>
-          </a:p>
-        </p:txBody>
-      </p:sp>
-      <p:sp>
-        <p:nvSpPr>
-          <p:cNvPr id="7" name="文本框 6">
-            <a:extLst>
-              <a:ext uri="{FF2B5EF4-FFF2-40B4-BE49-F238E27FC236}">
-                <a16:creationId xmlns:a16="http://schemas.microsoft.com/office/drawing/2014/main" id="{F81098EC-5BD8-3B4E-BD4E-BAEDCAE0C04B}"/>
-              </a:ext>
-            </a:extLst>
-          </p:cNvPr>
-          <p:cNvSpPr txBox="1"/>
-          <p:nvPr/>
-        </p:nvSpPr>
-        <p:spPr>
-          <a:xfrm>
-            <a:off x="6095872" y="0"/>
-            <a:ext cx="660758" cy="461665"/>
-          </a:xfrm>
-          <a:prstGeom prst="rect">
-            <a:avLst/>
-          </a:prstGeom>
-          <a:noFill/>
-        </p:spPr>
-        <p:txBody>
-          <a:bodyPr wrap="square" rtlCol="0">
-            <a:spAutoFit/>
-          </a:bodyPr>
-          <a:lstStyle/>
-          <a:p>
-            <a:r>
-              <a:rPr kumimoji="1" lang="en-US" altLang="zh-CN" sz="2400" b="1" dirty="0"/>
-              <a:t>.fdt</a:t>
-            </a:r>
-            <a:endParaRPr kumimoji="1" lang="zh-CN" altLang="en-US" sz="2400" b="1" dirty="0"/>
-          </a:p>
-        </p:txBody>
-      </p:sp>
       <p:graphicFrame>
         <p:nvGraphicFramePr>
           <p:cNvPr id="9" name="表格 8">
@@ -6339,8 +5709,8 @@
         </p:nvCxnSpPr>
         <p:spPr>
           <a:xfrm>
-            <a:off x="6521951" y="1148455"/>
-            <a:ext cx="2960523" cy="699072"/>
+            <a:off x="6169521" y="1168237"/>
+            <a:ext cx="3312953" cy="679290"/>
           </a:xfrm>
           <a:prstGeom prst="line">
             <a:avLst/>
@@ -7901,6 +7271,784 @@
               <a:t>…</a:t>
             </a:r>
             <a:endParaRPr kumimoji="1" lang="zh-CN" altLang="en-US" dirty="0"/>
+          </a:p>
+        </p:txBody>
+      </p:sp>
+      <p:graphicFrame>
+        <p:nvGraphicFramePr>
+          <p:cNvPr id="33" name="表格 32">
+            <a:extLst>
+              <a:ext uri="{FF2B5EF4-FFF2-40B4-BE49-F238E27FC236}">
+                <a16:creationId xmlns:a16="http://schemas.microsoft.com/office/drawing/2014/main" id="{8EE1657E-99E4-FA4D-9D79-FF54B3939635}"/>
+              </a:ext>
+            </a:extLst>
+          </p:cNvPr>
+          <p:cNvGraphicFramePr>
+            <a:graphicFrameLocks noGrp="1"/>
+          </p:cNvGraphicFramePr>
+          <p:nvPr>
+            <p:extLst>
+              <p:ext uri="{D42A27DB-BD31-4B8C-83A1-F6EECF244321}">
+                <p14:modId xmlns:p14="http://schemas.microsoft.com/office/powerpoint/2010/main" val="397215213"/>
+              </p:ext>
+            </p:extLst>
+          </p:nvPr>
+        </p:nvGraphicFramePr>
+        <p:xfrm>
+          <a:off x="280930" y="777464"/>
+          <a:ext cx="5889600" cy="370840"/>
+        </p:xfrm>
+        <a:graphic>
+          <a:graphicData uri="http://schemas.openxmlformats.org/drawingml/2006/table">
+            <a:tbl>
+              <a:tblPr firstRow="1" bandRow="1">
+                <a:tableStyleId>{5C22544A-7EE6-4342-B048-85BDC9FD1C3A}</a:tableStyleId>
+              </a:tblPr>
+              <a:tblGrid>
+                <a:gridCol w="1472400">
+                  <a:extLst>
+                    <a:ext uri="{9D8B030D-6E8A-4147-A177-3AD203B41FA5}">
+                      <a16:colId xmlns:a16="http://schemas.microsoft.com/office/drawing/2014/main" val="2278590028"/>
+                    </a:ext>
+                  </a:extLst>
+                </a:gridCol>
+                <a:gridCol w="1472400">
+                  <a:extLst>
+                    <a:ext uri="{9D8B030D-6E8A-4147-A177-3AD203B41FA5}">
+                      <a16:colId xmlns:a16="http://schemas.microsoft.com/office/drawing/2014/main" val="4080892430"/>
+                    </a:ext>
+                  </a:extLst>
+                </a:gridCol>
+                <a:gridCol w="1846001">
+                  <a:extLst>
+                    <a:ext uri="{9D8B030D-6E8A-4147-A177-3AD203B41FA5}">
+                      <a16:colId xmlns:a16="http://schemas.microsoft.com/office/drawing/2014/main" val="2845361826"/>
+                    </a:ext>
+                  </a:extLst>
+                </a:gridCol>
+                <a:gridCol w="1098799">
+                  <a:extLst>
+                    <a:ext uri="{9D8B030D-6E8A-4147-A177-3AD203B41FA5}">
+                      <a16:colId xmlns:a16="http://schemas.microsoft.com/office/drawing/2014/main" val="2192670918"/>
+                    </a:ext>
+                  </a:extLst>
+                </a:gridCol>
+              </a:tblGrid>
+              <a:tr h="370840">
+                <a:tc>
+                  <a:txBody>
+                    <a:bodyPr/>
+                    <a:lstStyle/>
+                    <a:p>
+                      <a:pPr algn="ctr"/>
+                      <a:r>
+                        <a:rPr lang="en-US" altLang="zh-CN" sz="1200" b="1" i="0" kern="1200" dirty="0">
+                          <a:solidFill>
+                            <a:schemeClr val="tx1"/>
+                          </a:solidFill>
+                          <a:effectLst/>
+                          <a:latin typeface="+mn-lt"/>
+                          <a:ea typeface="+mn-ea"/>
+                          <a:cs typeface="+mn-cs"/>
+                        </a:rPr>
+                        <a:t>Header</a:t>
+                      </a:r>
+                      <a:endParaRPr lang="zh-CN" altLang="en-US" sz="1200" b="1" i="0" dirty="0">
+                        <a:solidFill>
+                          <a:schemeClr val="tx1"/>
+                        </a:solidFill>
+                      </a:endParaRPr>
+                    </a:p>
+                  </a:txBody>
+                  <a:tcPr anchor="ctr">
+                    <a:lnL w="12700" cap="flat" cmpd="sng" algn="ctr">
+                      <a:solidFill>
+                        <a:schemeClr val="tx1"/>
+                      </a:solidFill>
+                      <a:prstDash val="solid"/>
+                      <a:round/>
+                      <a:headEnd type="none" w="med" len="med"/>
+                      <a:tailEnd type="none" w="med" len="med"/>
+                    </a:lnL>
+                    <a:lnR w="12700" cap="flat" cmpd="sng" algn="ctr">
+                      <a:solidFill>
+                        <a:schemeClr val="tx1"/>
+                      </a:solidFill>
+                      <a:prstDash val="solid"/>
+                      <a:round/>
+                      <a:headEnd type="none" w="med" len="med"/>
+                      <a:tailEnd type="none" w="med" len="med"/>
+                    </a:lnR>
+                    <a:lnT w="12700" cap="flat" cmpd="sng" algn="ctr">
+                      <a:solidFill>
+                        <a:schemeClr val="tx1"/>
+                      </a:solidFill>
+                      <a:prstDash val="solid"/>
+                      <a:round/>
+                      <a:headEnd type="none" w="med" len="med"/>
+                      <a:tailEnd type="none" w="med" len="med"/>
+                    </a:lnT>
+                    <a:lnB w="12700" cap="flat" cmpd="sng" algn="ctr">
+                      <a:solidFill>
+                        <a:schemeClr val="tx1"/>
+                      </a:solidFill>
+                      <a:prstDash val="solid"/>
+                      <a:round/>
+                      <a:headEnd type="none" w="med" len="med"/>
+                      <a:tailEnd type="none" w="med" len="med"/>
+                    </a:lnB>
+                    <a:lnTlToBr w="12700" cmpd="sng">
+                      <a:noFill/>
+                      <a:prstDash val="solid"/>
+                    </a:lnTlToBr>
+                    <a:lnBlToTr w="12700" cmpd="sng">
+                      <a:noFill/>
+                      <a:prstDash val="solid"/>
+                    </a:lnBlToTr>
+                    <a:solidFill>
+                      <a:srgbClr val="0070C0"/>
+                    </a:solidFill>
+                  </a:tcPr>
+                </a:tc>
+                <a:tc>
+                  <a:txBody>
+                    <a:bodyPr/>
+                    <a:lstStyle/>
+                    <a:p>
+                      <a:pPr algn="ctr"/>
+                      <a:r>
+                        <a:rPr lang="en-US" altLang="zh-CN" sz="1200" b="1" i="0" dirty="0">
+                          <a:solidFill>
+                            <a:schemeClr val="tx1"/>
+                          </a:solidFill>
+                        </a:rPr>
+                        <a:t>ChunkSize</a:t>
+                      </a:r>
+                      <a:endParaRPr lang="zh-CN" altLang="en-US" sz="1200" b="1" i="0" dirty="0">
+                        <a:solidFill>
+                          <a:schemeClr val="tx1"/>
+                        </a:solidFill>
+                      </a:endParaRPr>
+                    </a:p>
+                  </a:txBody>
+                  <a:tcPr anchor="ctr">
+                    <a:lnL w="12700" cap="flat" cmpd="sng" algn="ctr">
+                      <a:solidFill>
+                        <a:schemeClr val="tx1"/>
+                      </a:solidFill>
+                      <a:prstDash val="solid"/>
+                      <a:round/>
+                      <a:headEnd type="none" w="med" len="med"/>
+                      <a:tailEnd type="none" w="med" len="med"/>
+                    </a:lnL>
+                    <a:lnR w="12700" cap="flat" cmpd="sng" algn="ctr">
+                      <a:solidFill>
+                        <a:schemeClr val="tx1"/>
+                      </a:solidFill>
+                      <a:prstDash val="solid"/>
+                      <a:round/>
+                      <a:headEnd type="none" w="med" len="med"/>
+                      <a:tailEnd type="none" w="med" len="med"/>
+                    </a:lnR>
+                    <a:lnT w="12700" cap="flat" cmpd="sng" algn="ctr">
+                      <a:solidFill>
+                        <a:schemeClr val="tx1"/>
+                      </a:solidFill>
+                      <a:prstDash val="solid"/>
+                      <a:round/>
+                      <a:headEnd type="none" w="med" len="med"/>
+                      <a:tailEnd type="none" w="med" len="med"/>
+                    </a:lnT>
+                    <a:lnB w="12700" cap="flat" cmpd="sng" algn="ctr">
+                      <a:solidFill>
+                        <a:schemeClr val="tx1"/>
+                      </a:solidFill>
+                      <a:prstDash val="solid"/>
+                      <a:round/>
+                      <a:headEnd type="none" w="med" len="med"/>
+                      <a:tailEnd type="none" w="med" len="med"/>
+                    </a:lnB>
+                    <a:lnTlToBr w="12700" cmpd="sng">
+                      <a:noFill/>
+                      <a:prstDash val="solid"/>
+                    </a:lnTlToBr>
+                    <a:lnBlToTr w="12700" cmpd="sng">
+                      <a:noFill/>
+                      <a:prstDash val="solid"/>
+                    </a:lnBlToTr>
+                    <a:solidFill>
+                      <a:schemeClr val="bg1"/>
+                    </a:solidFill>
+                  </a:tcPr>
+                </a:tc>
+                <a:tc>
+                  <a:txBody>
+                    <a:bodyPr/>
+                    <a:lstStyle/>
+                    <a:p>
+                      <a:pPr algn="ctr"/>
+                      <a:r>
+                        <a:rPr lang="en-US" altLang="zh-CN" sz="1200" b="1" i="0" kern="1200" dirty="0">
+                          <a:solidFill>
+                            <a:schemeClr val="tx1"/>
+                          </a:solidFill>
+                          <a:effectLst/>
+                          <a:latin typeface="+mn-lt"/>
+                          <a:ea typeface="+mn-ea"/>
+                          <a:cs typeface="+mn-cs"/>
+                        </a:rPr>
+                        <a:t>PackedIntsVersion</a:t>
+                      </a:r>
+                      <a:endParaRPr lang="zh-CN" altLang="en-US" sz="1200" b="0" i="0" dirty="0">
+                        <a:solidFill>
+                          <a:schemeClr val="tx1"/>
+                        </a:solidFill>
+                      </a:endParaRPr>
+                    </a:p>
+                  </a:txBody>
+                  <a:tcPr anchor="ctr">
+                    <a:lnL w="12700" cap="flat" cmpd="sng" algn="ctr">
+                      <a:solidFill>
+                        <a:schemeClr val="tx1"/>
+                      </a:solidFill>
+                      <a:prstDash val="solid"/>
+                      <a:round/>
+                      <a:headEnd type="none" w="med" len="med"/>
+                      <a:tailEnd type="none" w="med" len="med"/>
+                    </a:lnL>
+                    <a:lnR w="12700" cap="flat" cmpd="sng" algn="ctr">
+                      <a:solidFill>
+                        <a:schemeClr val="tx1"/>
+                      </a:solidFill>
+                      <a:prstDash val="solid"/>
+                      <a:round/>
+                      <a:headEnd type="none" w="med" len="med"/>
+                      <a:tailEnd type="none" w="med" len="med"/>
+                    </a:lnR>
+                    <a:lnT w="12700" cap="flat" cmpd="sng" algn="ctr">
+                      <a:solidFill>
+                        <a:schemeClr val="tx1"/>
+                      </a:solidFill>
+                      <a:prstDash val="solid"/>
+                      <a:round/>
+                      <a:headEnd type="none" w="med" len="med"/>
+                      <a:tailEnd type="none" w="med" len="med"/>
+                    </a:lnT>
+                    <a:lnB w="12700" cap="flat" cmpd="sng" algn="ctr">
+                      <a:solidFill>
+                        <a:schemeClr val="tx1"/>
+                      </a:solidFill>
+                      <a:prstDash val="solid"/>
+                      <a:round/>
+                      <a:headEnd type="none" w="med" len="med"/>
+                      <a:tailEnd type="none" w="med" len="med"/>
+                    </a:lnB>
+                    <a:solidFill>
+                      <a:schemeClr val="bg1"/>
+                    </a:solidFill>
+                  </a:tcPr>
+                </a:tc>
+                <a:tc>
+                  <a:txBody>
+                    <a:bodyPr/>
+                    <a:lstStyle/>
+                    <a:p>
+                      <a:pPr algn="ctr"/>
+                      <a:r>
+                        <a:rPr lang="en-US" altLang="zh-CN" sz="1200" b="1" i="0" kern="1200" dirty="0">
+                          <a:solidFill>
+                            <a:schemeClr val="tx1"/>
+                          </a:solidFill>
+                          <a:effectLst/>
+                          <a:latin typeface="+mn-lt"/>
+                          <a:ea typeface="+mn-ea"/>
+                          <a:cs typeface="+mn-cs"/>
+                        </a:rPr>
+                        <a:t>Chunk</a:t>
+                      </a:r>
+                      <a:endParaRPr lang="zh-CN" altLang="en-US" sz="1200" b="0" i="0" dirty="0">
+                        <a:solidFill>
+                          <a:schemeClr val="tx1"/>
+                        </a:solidFill>
+                      </a:endParaRPr>
+                    </a:p>
+                  </a:txBody>
+                  <a:tcPr anchor="ctr">
+                    <a:lnL w="12700" cap="flat" cmpd="sng" algn="ctr">
+                      <a:solidFill>
+                        <a:schemeClr val="tx1"/>
+                      </a:solidFill>
+                      <a:prstDash val="solid"/>
+                      <a:round/>
+                      <a:headEnd type="none" w="med" len="med"/>
+                      <a:tailEnd type="none" w="med" len="med"/>
+                    </a:lnL>
+                    <a:lnR w="12700" cap="flat" cmpd="sng" algn="ctr">
+                      <a:solidFill>
+                        <a:schemeClr val="tx1"/>
+                      </a:solidFill>
+                      <a:prstDash val="solid"/>
+                      <a:round/>
+                      <a:headEnd type="none" w="med" len="med"/>
+                      <a:tailEnd type="none" w="med" len="med"/>
+                    </a:lnR>
+                    <a:lnT w="12700" cap="flat" cmpd="sng" algn="ctr">
+                      <a:solidFill>
+                        <a:schemeClr val="tx1"/>
+                      </a:solidFill>
+                      <a:prstDash val="solid"/>
+                      <a:round/>
+                      <a:headEnd type="none" w="med" len="med"/>
+                      <a:tailEnd type="none" w="med" len="med"/>
+                    </a:lnT>
+                    <a:lnB w="12700" cap="flat" cmpd="sng" algn="ctr">
+                      <a:solidFill>
+                        <a:schemeClr val="tx1"/>
+                      </a:solidFill>
+                      <a:prstDash val="solid"/>
+                      <a:round/>
+                      <a:headEnd type="none" w="med" len="med"/>
+                      <a:tailEnd type="none" w="med" len="med"/>
+                    </a:lnB>
+                    <a:solidFill>
+                      <a:srgbClr val="00B0F0"/>
+                    </a:solidFill>
+                  </a:tcPr>
+                </a:tc>
+                <a:extLst>
+                  <a:ext uri="{0D108BD9-81ED-4DB2-BD59-A6C34878D82A}">
+                    <a16:rowId xmlns:a16="http://schemas.microsoft.com/office/drawing/2014/main" val="1027363210"/>
+                  </a:ext>
+                </a:extLst>
+              </a:tr>
+            </a:tbl>
+          </a:graphicData>
+        </a:graphic>
+      </p:graphicFrame>
+      <p:graphicFrame>
+        <p:nvGraphicFramePr>
+          <p:cNvPr id="34" name="表格 33">
+            <a:extLst>
+              <a:ext uri="{FF2B5EF4-FFF2-40B4-BE49-F238E27FC236}">
+                <a16:creationId xmlns:a16="http://schemas.microsoft.com/office/drawing/2014/main" id="{1B18BCF4-947E-AA43-ADC5-A95B0EAD18E1}"/>
+              </a:ext>
+            </a:extLst>
+          </p:cNvPr>
+          <p:cNvGraphicFramePr>
+            <a:graphicFrameLocks noGrp="1"/>
+          </p:cNvGraphicFramePr>
+          <p:nvPr>
+            <p:extLst>
+              <p:ext uri="{D42A27DB-BD31-4B8C-83A1-F6EECF244321}">
+                <p14:modId xmlns:p14="http://schemas.microsoft.com/office/powerpoint/2010/main" val="3067863762"/>
+              </p:ext>
+            </p:extLst>
+          </p:nvPr>
+        </p:nvGraphicFramePr>
+        <p:xfrm>
+          <a:off x="6740511" y="776710"/>
+          <a:ext cx="4425948" cy="370840"/>
+        </p:xfrm>
+        <a:graphic>
+          <a:graphicData uri="http://schemas.openxmlformats.org/drawingml/2006/table">
+            <a:tbl>
+              <a:tblPr firstRow="1" bandRow="1">
+                <a:tableStyleId>{5C22544A-7EE6-4342-B048-85BDC9FD1C3A}</a:tableStyleId>
+              </a:tblPr>
+              <a:tblGrid>
+                <a:gridCol w="1106487">
+                  <a:extLst>
+                    <a:ext uri="{9D8B030D-6E8A-4147-A177-3AD203B41FA5}">
+                      <a16:colId xmlns:a16="http://schemas.microsoft.com/office/drawing/2014/main" val="2278590028"/>
+                    </a:ext>
+                  </a:extLst>
+                </a:gridCol>
+                <a:gridCol w="1106487">
+                  <a:extLst>
+                    <a:ext uri="{9D8B030D-6E8A-4147-A177-3AD203B41FA5}">
+                      <a16:colId xmlns:a16="http://schemas.microsoft.com/office/drawing/2014/main" val="2845361826"/>
+                    </a:ext>
+                  </a:extLst>
+                </a:gridCol>
+                <a:gridCol w="1498321">
+                  <a:extLst>
+                    <a:ext uri="{9D8B030D-6E8A-4147-A177-3AD203B41FA5}">
+                      <a16:colId xmlns:a16="http://schemas.microsoft.com/office/drawing/2014/main" val="708524445"/>
+                    </a:ext>
+                  </a:extLst>
+                </a:gridCol>
+                <a:gridCol w="714653">
+                  <a:extLst>
+                    <a:ext uri="{9D8B030D-6E8A-4147-A177-3AD203B41FA5}">
+                      <a16:colId xmlns:a16="http://schemas.microsoft.com/office/drawing/2014/main" val="2192670918"/>
+                    </a:ext>
+                  </a:extLst>
+                </a:gridCol>
+              </a:tblGrid>
+              <a:tr h="370840">
+                <a:tc>
+                  <a:txBody>
+                    <a:bodyPr/>
+                    <a:lstStyle/>
+                    <a:p>
+                      <a:pPr algn="ctr"/>
+                      <a:r>
+                        <a:rPr lang="en-US" altLang="zh-CN" sz="1200" b="1" i="0" kern="1200" dirty="0">
+                          <a:solidFill>
+                            <a:schemeClr val="tx1"/>
+                          </a:solidFill>
+                          <a:effectLst/>
+                          <a:latin typeface="+mn-lt"/>
+                          <a:ea typeface="+mn-ea"/>
+                          <a:cs typeface="+mn-cs"/>
+                        </a:rPr>
+                        <a:t>Chunk</a:t>
+                      </a:r>
+                      <a:endParaRPr lang="zh-CN" altLang="en-US" sz="1200" b="1" i="0" dirty="0">
+                        <a:solidFill>
+                          <a:schemeClr val="tx1"/>
+                        </a:solidFill>
+                      </a:endParaRPr>
+                    </a:p>
+                  </a:txBody>
+                  <a:tcPr anchor="ctr">
+                    <a:lnL w="12700" cap="flat" cmpd="sng" algn="ctr">
+                      <a:solidFill>
+                        <a:schemeClr val="tx1"/>
+                      </a:solidFill>
+                      <a:prstDash val="solid"/>
+                      <a:round/>
+                      <a:headEnd type="none" w="med" len="med"/>
+                      <a:tailEnd type="none" w="med" len="med"/>
+                    </a:lnL>
+                    <a:lnR w="12700" cap="flat" cmpd="sng" algn="ctr">
+                      <a:solidFill>
+                        <a:schemeClr val="tx1"/>
+                      </a:solidFill>
+                      <a:prstDash val="solid"/>
+                      <a:round/>
+                      <a:headEnd type="none" w="med" len="med"/>
+                      <a:tailEnd type="none" w="med" len="med"/>
+                    </a:lnR>
+                    <a:lnT w="12700" cap="flat" cmpd="sng" algn="ctr">
+                      <a:solidFill>
+                        <a:schemeClr val="tx1"/>
+                      </a:solidFill>
+                      <a:prstDash val="solid"/>
+                      <a:round/>
+                      <a:headEnd type="none" w="med" len="med"/>
+                      <a:tailEnd type="none" w="med" len="med"/>
+                    </a:lnT>
+                    <a:lnB w="12700" cap="flat" cmpd="sng" algn="ctr">
+                      <a:solidFill>
+                        <a:schemeClr val="tx1"/>
+                      </a:solidFill>
+                      <a:prstDash val="solid"/>
+                      <a:round/>
+                      <a:headEnd type="none" w="med" len="med"/>
+                      <a:tailEnd type="none" w="med" len="med"/>
+                    </a:lnB>
+                    <a:lnTlToBr w="12700" cmpd="sng">
+                      <a:noFill/>
+                      <a:prstDash val="solid"/>
+                    </a:lnTlToBr>
+                    <a:lnBlToTr w="12700" cmpd="sng">
+                      <a:noFill/>
+                      <a:prstDash val="solid"/>
+                    </a:lnBlToTr>
+                    <a:solidFill>
+                      <a:srgbClr val="00B0F0"/>
+                    </a:solidFill>
+                  </a:tcPr>
+                </a:tc>
+                <a:tc>
+                  <a:txBody>
+                    <a:bodyPr/>
+                    <a:lstStyle/>
+                    <a:p>
+                      <a:pPr algn="ctr"/>
+                      <a:r>
+                        <a:rPr lang="en" altLang="zh-CN" sz="1200" b="1" i="0" kern="1200" dirty="0">
+                          <a:solidFill>
+                            <a:schemeClr val="tx1"/>
+                          </a:solidFill>
+                          <a:effectLst/>
+                          <a:latin typeface="+mn-lt"/>
+                          <a:ea typeface="+mn-ea"/>
+                          <a:cs typeface="+mn-cs"/>
+                        </a:rPr>
+                        <a:t>ChunkCount</a:t>
+                      </a:r>
+                      <a:endParaRPr lang="zh-CN" altLang="en-US" sz="1200" b="1" i="0" dirty="0">
+                        <a:solidFill>
+                          <a:schemeClr val="tx1"/>
+                        </a:solidFill>
+                      </a:endParaRPr>
+                    </a:p>
+                  </a:txBody>
+                  <a:tcPr anchor="ctr">
+                    <a:lnL w="12700" cap="flat" cmpd="sng" algn="ctr">
+                      <a:solidFill>
+                        <a:schemeClr val="tx1"/>
+                      </a:solidFill>
+                      <a:prstDash val="solid"/>
+                      <a:round/>
+                      <a:headEnd type="none" w="med" len="med"/>
+                      <a:tailEnd type="none" w="med" len="med"/>
+                    </a:lnL>
+                    <a:lnR w="12700" cap="flat" cmpd="sng" algn="ctr">
+                      <a:solidFill>
+                        <a:schemeClr val="tx1"/>
+                      </a:solidFill>
+                      <a:prstDash val="solid"/>
+                      <a:round/>
+                      <a:headEnd type="none" w="med" len="med"/>
+                      <a:tailEnd type="none" w="med" len="med"/>
+                    </a:lnR>
+                    <a:lnT w="12700" cap="flat" cmpd="sng" algn="ctr">
+                      <a:solidFill>
+                        <a:schemeClr val="tx1"/>
+                      </a:solidFill>
+                      <a:prstDash val="solid"/>
+                      <a:round/>
+                      <a:headEnd type="none" w="med" len="med"/>
+                      <a:tailEnd type="none" w="med" len="med"/>
+                    </a:lnT>
+                    <a:lnB w="12700" cap="flat" cmpd="sng" algn="ctr">
+                      <a:solidFill>
+                        <a:schemeClr val="tx1"/>
+                      </a:solidFill>
+                      <a:prstDash val="solid"/>
+                      <a:round/>
+                      <a:headEnd type="none" w="med" len="med"/>
+                      <a:tailEnd type="none" w="med" len="med"/>
+                    </a:lnB>
+                    <a:solidFill>
+                      <a:schemeClr val="bg1"/>
+                    </a:solidFill>
+                  </a:tcPr>
+                </a:tc>
+                <a:tc>
+                  <a:txBody>
+                    <a:bodyPr/>
+                    <a:lstStyle/>
+                    <a:p>
+                      <a:pPr algn="ctr"/>
+                      <a:r>
+                        <a:rPr lang="en-US" altLang="zh-CN" sz="1200" b="1" i="0" kern="1200" dirty="0">
+                          <a:solidFill>
+                            <a:schemeClr val="tx1"/>
+                          </a:solidFill>
+                          <a:effectLst/>
+                          <a:latin typeface="+mn-lt"/>
+                          <a:ea typeface="+mn-ea"/>
+                          <a:cs typeface="+mn-cs"/>
+                        </a:rPr>
+                        <a:t>DirtyChunkCount</a:t>
+                      </a:r>
+                      <a:endParaRPr lang="zh-CN" altLang="en-US" sz="1200" b="1" i="0" dirty="0">
+                        <a:solidFill>
+                          <a:schemeClr val="tx1"/>
+                        </a:solidFill>
+                      </a:endParaRPr>
+                    </a:p>
+                  </a:txBody>
+                  <a:tcPr anchor="ctr">
+                    <a:lnL w="12700" cap="flat" cmpd="sng" algn="ctr">
+                      <a:solidFill>
+                        <a:schemeClr val="tx1"/>
+                      </a:solidFill>
+                      <a:prstDash val="solid"/>
+                      <a:round/>
+                      <a:headEnd type="none" w="med" len="med"/>
+                      <a:tailEnd type="none" w="med" len="med"/>
+                    </a:lnL>
+                    <a:lnR w="12700" cap="flat" cmpd="sng" algn="ctr">
+                      <a:solidFill>
+                        <a:schemeClr val="tx1"/>
+                      </a:solidFill>
+                      <a:prstDash val="solid"/>
+                      <a:round/>
+                      <a:headEnd type="none" w="med" len="med"/>
+                      <a:tailEnd type="none" w="med" len="med"/>
+                    </a:lnR>
+                    <a:lnT w="12700" cap="flat" cmpd="sng" algn="ctr">
+                      <a:solidFill>
+                        <a:schemeClr val="tx1"/>
+                      </a:solidFill>
+                      <a:prstDash val="solid"/>
+                      <a:round/>
+                      <a:headEnd type="none" w="med" len="med"/>
+                      <a:tailEnd type="none" w="med" len="med"/>
+                    </a:lnT>
+                    <a:lnB w="12700" cap="flat" cmpd="sng" algn="ctr">
+                      <a:solidFill>
+                        <a:schemeClr val="tx1"/>
+                      </a:solidFill>
+                      <a:prstDash val="solid"/>
+                      <a:round/>
+                      <a:headEnd type="none" w="med" len="med"/>
+                      <a:tailEnd type="none" w="med" len="med"/>
+                    </a:lnB>
+                    <a:solidFill>
+                      <a:schemeClr val="bg1"/>
+                    </a:solidFill>
+                  </a:tcPr>
+                </a:tc>
+                <a:tc>
+                  <a:txBody>
+                    <a:bodyPr/>
+                    <a:lstStyle/>
+                    <a:p>
+                      <a:pPr algn="ctr"/>
+                      <a:r>
+                        <a:rPr lang="en-US" altLang="zh-CN" sz="1200" b="1" i="0" kern="1200" dirty="0">
+                          <a:solidFill>
+                            <a:schemeClr val="tx1"/>
+                          </a:solidFill>
+                          <a:effectLst/>
+                          <a:latin typeface="+mn-lt"/>
+                          <a:ea typeface="+mn-ea"/>
+                          <a:cs typeface="+mn-cs"/>
+                        </a:rPr>
+                        <a:t>Footer</a:t>
+                      </a:r>
+                      <a:endParaRPr lang="zh-CN" altLang="en-US" sz="1200" b="1" i="0" dirty="0">
+                        <a:solidFill>
+                          <a:schemeClr val="tx1"/>
+                        </a:solidFill>
+                      </a:endParaRPr>
+                    </a:p>
+                  </a:txBody>
+                  <a:tcPr anchor="ctr">
+                    <a:lnL w="12700" cap="flat" cmpd="sng" algn="ctr">
+                      <a:solidFill>
+                        <a:schemeClr val="tx1"/>
+                      </a:solidFill>
+                      <a:prstDash val="solid"/>
+                      <a:round/>
+                      <a:headEnd type="none" w="med" len="med"/>
+                      <a:tailEnd type="none" w="med" len="med"/>
+                    </a:lnL>
+                    <a:lnR w="12700" cap="flat" cmpd="sng" algn="ctr">
+                      <a:solidFill>
+                        <a:schemeClr val="tx1"/>
+                      </a:solidFill>
+                      <a:prstDash val="solid"/>
+                      <a:round/>
+                      <a:headEnd type="none" w="med" len="med"/>
+                      <a:tailEnd type="none" w="med" len="med"/>
+                    </a:lnR>
+                    <a:lnT w="12700" cap="flat" cmpd="sng" algn="ctr">
+                      <a:solidFill>
+                        <a:schemeClr val="tx1"/>
+                      </a:solidFill>
+                      <a:prstDash val="solid"/>
+                      <a:round/>
+                      <a:headEnd type="none" w="med" len="med"/>
+                      <a:tailEnd type="none" w="med" len="med"/>
+                    </a:lnT>
+                    <a:lnB w="12700" cap="flat" cmpd="sng" algn="ctr">
+                      <a:solidFill>
+                        <a:schemeClr val="tx1"/>
+                      </a:solidFill>
+                      <a:prstDash val="solid"/>
+                      <a:round/>
+                      <a:headEnd type="none" w="med" len="med"/>
+                      <a:tailEnd type="none" w="med" len="med"/>
+                    </a:lnB>
+                    <a:solidFill>
+                      <a:srgbClr val="7030A0"/>
+                    </a:solidFill>
+                  </a:tcPr>
+                </a:tc>
+                <a:extLst>
+                  <a:ext uri="{0D108BD9-81ED-4DB2-BD59-A6C34878D82A}">
+                    <a16:rowId xmlns:a16="http://schemas.microsoft.com/office/drawing/2014/main" val="1027363210"/>
+                  </a:ext>
+                </a:extLst>
+              </a:tr>
+            </a:tbl>
+          </a:graphicData>
+        </a:graphic>
+      </p:graphicFrame>
+      <p:sp>
+        <p:nvSpPr>
+          <p:cNvPr id="37" name="文本框 36">
+            <a:extLst>
+              <a:ext uri="{FF2B5EF4-FFF2-40B4-BE49-F238E27FC236}">
+                <a16:creationId xmlns:a16="http://schemas.microsoft.com/office/drawing/2014/main" id="{3B49E51F-7103-0641-83C1-F375F886BE16}"/>
+              </a:ext>
+            </a:extLst>
+          </p:cNvPr>
+          <p:cNvSpPr txBox="1"/>
+          <p:nvPr/>
+        </p:nvSpPr>
+        <p:spPr>
+          <a:xfrm>
+            <a:off x="6169521" y="777464"/>
+            <a:ext cx="570990" cy="369332"/>
+          </a:xfrm>
+          <a:prstGeom prst="rect">
+            <a:avLst/>
+          </a:prstGeom>
+          <a:noFill/>
+        </p:spPr>
+        <p:txBody>
+          <a:bodyPr wrap="none" rtlCol="0">
+            <a:spAutoFit/>
+          </a:bodyPr>
+          <a:lstStyle/>
+          <a:p>
+            <a:r>
+              <a:rPr kumimoji="1" lang="en-US" altLang="zh-CN" dirty="0"/>
+              <a:t>…</a:t>
+            </a:r>
+            <a:r>
+              <a:rPr kumimoji="1" lang="zh-CN" altLang="en-US" dirty="0"/>
+              <a:t> </a:t>
+            </a:r>
+            <a:r>
+              <a:rPr kumimoji="1" lang="en-US" altLang="zh-CN" dirty="0"/>
+              <a:t>…</a:t>
+            </a:r>
+            <a:endParaRPr kumimoji="1" lang="zh-CN" altLang="en-US" dirty="0"/>
+          </a:p>
+        </p:txBody>
+      </p:sp>
+      <p:sp>
+        <p:nvSpPr>
+          <p:cNvPr id="38" name="文本框 37">
+            <a:extLst>
+              <a:ext uri="{FF2B5EF4-FFF2-40B4-BE49-F238E27FC236}">
+                <a16:creationId xmlns:a16="http://schemas.microsoft.com/office/drawing/2014/main" id="{8BFDC1B3-D57B-7F46-A269-B634D051C2B1}"/>
+              </a:ext>
+            </a:extLst>
+          </p:cNvPr>
+          <p:cNvSpPr txBox="1"/>
+          <p:nvPr/>
+        </p:nvSpPr>
+        <p:spPr>
+          <a:xfrm>
+            <a:off x="5743442" y="-1659"/>
+            <a:ext cx="660758" cy="461665"/>
+          </a:xfrm>
+          <a:prstGeom prst="rect">
+            <a:avLst/>
+          </a:prstGeom>
+          <a:noFill/>
+        </p:spPr>
+        <p:txBody>
+          <a:bodyPr wrap="none" rtlCol="0">
+            <a:spAutoFit/>
+          </a:bodyPr>
+          <a:lstStyle/>
+          <a:p>
+            <a:r>
+              <a:rPr kumimoji="1" lang="en-US" altLang="zh-CN" sz="2400" b="1" dirty="0"/>
+              <a:t>.fdt</a:t>
+            </a:r>
+            <a:endParaRPr kumimoji="1" lang="zh-CN" altLang="en-US" sz="2400" b="1" dirty="0"/>
           </a:p>
         </p:txBody>
       </p:sp>

--- a/blog/Lucene/索引文件/fdx&&fdt/fdx&&fdt.pptx
+++ b/blog/Lucene/索引文件/fdx&&fdt/fdx&&fdt.pptx
@@ -274,7 +274,7 @@
           <a:p>
             <a:fld id="{2579BE28-8116-0E46-93C2-74159096E69E}" type="datetimeFigureOut">
               <a:rPr kumimoji="1" lang="zh-CN" altLang="en-US" smtClean="0"/>
-              <a:t>2020/10/13</a:t>
+              <a:t>2020/10/19</a:t>
             </a:fld>
             <a:endParaRPr kumimoji="1" lang="zh-CN" altLang="en-US"/>
           </a:p>
@@ -472,7 +472,7 @@
           <a:p>
             <a:fld id="{2579BE28-8116-0E46-93C2-74159096E69E}" type="datetimeFigureOut">
               <a:rPr kumimoji="1" lang="zh-CN" altLang="en-US" smtClean="0"/>
-              <a:t>2020/10/13</a:t>
+              <a:t>2020/10/19</a:t>
             </a:fld>
             <a:endParaRPr kumimoji="1" lang="zh-CN" altLang="en-US"/>
           </a:p>
@@ -680,7 +680,7 @@
           <a:p>
             <a:fld id="{2579BE28-8116-0E46-93C2-74159096E69E}" type="datetimeFigureOut">
               <a:rPr kumimoji="1" lang="zh-CN" altLang="en-US" smtClean="0"/>
-              <a:t>2020/10/13</a:t>
+              <a:t>2020/10/19</a:t>
             </a:fld>
             <a:endParaRPr kumimoji="1" lang="zh-CN" altLang="en-US"/>
           </a:p>
@@ -878,7 +878,7 @@
           <a:p>
             <a:fld id="{2579BE28-8116-0E46-93C2-74159096E69E}" type="datetimeFigureOut">
               <a:rPr kumimoji="1" lang="zh-CN" altLang="en-US" smtClean="0"/>
-              <a:t>2020/10/13</a:t>
+              <a:t>2020/10/19</a:t>
             </a:fld>
             <a:endParaRPr kumimoji="1" lang="zh-CN" altLang="en-US"/>
           </a:p>
@@ -1153,7 +1153,7 @@
           <a:p>
             <a:fld id="{2579BE28-8116-0E46-93C2-74159096E69E}" type="datetimeFigureOut">
               <a:rPr kumimoji="1" lang="zh-CN" altLang="en-US" smtClean="0"/>
-              <a:t>2020/10/13</a:t>
+              <a:t>2020/10/19</a:t>
             </a:fld>
             <a:endParaRPr kumimoji="1" lang="zh-CN" altLang="en-US"/>
           </a:p>
@@ -1418,7 +1418,7 @@
           <a:p>
             <a:fld id="{2579BE28-8116-0E46-93C2-74159096E69E}" type="datetimeFigureOut">
               <a:rPr kumimoji="1" lang="zh-CN" altLang="en-US" smtClean="0"/>
-              <a:t>2020/10/13</a:t>
+              <a:t>2020/10/19</a:t>
             </a:fld>
             <a:endParaRPr kumimoji="1" lang="zh-CN" altLang="en-US"/>
           </a:p>
@@ -1830,7 +1830,7 @@
           <a:p>
             <a:fld id="{2579BE28-8116-0E46-93C2-74159096E69E}" type="datetimeFigureOut">
               <a:rPr kumimoji="1" lang="zh-CN" altLang="en-US" smtClean="0"/>
-              <a:t>2020/10/13</a:t>
+              <a:t>2020/10/19</a:t>
             </a:fld>
             <a:endParaRPr kumimoji="1" lang="zh-CN" altLang="en-US"/>
           </a:p>
@@ -1971,7 +1971,7 @@
           <a:p>
             <a:fld id="{2579BE28-8116-0E46-93C2-74159096E69E}" type="datetimeFigureOut">
               <a:rPr kumimoji="1" lang="zh-CN" altLang="en-US" smtClean="0"/>
-              <a:t>2020/10/13</a:t>
+              <a:t>2020/10/19</a:t>
             </a:fld>
             <a:endParaRPr kumimoji="1" lang="zh-CN" altLang="en-US"/>
           </a:p>
@@ -2084,7 +2084,7 @@
           <a:p>
             <a:fld id="{2579BE28-8116-0E46-93C2-74159096E69E}" type="datetimeFigureOut">
               <a:rPr kumimoji="1" lang="zh-CN" altLang="en-US" smtClean="0"/>
-              <a:t>2020/10/13</a:t>
+              <a:t>2020/10/19</a:t>
             </a:fld>
             <a:endParaRPr kumimoji="1" lang="zh-CN" altLang="en-US"/>
           </a:p>
@@ -2395,7 +2395,7 @@
           <a:p>
             <a:fld id="{2579BE28-8116-0E46-93C2-74159096E69E}" type="datetimeFigureOut">
               <a:rPr kumimoji="1" lang="zh-CN" altLang="en-US" smtClean="0"/>
-              <a:t>2020/10/13</a:t>
+              <a:t>2020/10/19</a:t>
             </a:fld>
             <a:endParaRPr kumimoji="1" lang="zh-CN" altLang="en-US"/>
           </a:p>
@@ -2683,7 +2683,7 @@
           <a:p>
             <a:fld id="{2579BE28-8116-0E46-93C2-74159096E69E}" type="datetimeFigureOut">
               <a:rPr kumimoji="1" lang="zh-CN" altLang="en-US" smtClean="0"/>
-              <a:t>2020/10/13</a:t>
+              <a:t>2020/10/19</a:t>
             </a:fld>
             <a:endParaRPr kumimoji="1" lang="zh-CN" altLang="en-US"/>
           </a:p>
@@ -2924,7 +2924,7 @@
           <a:p>
             <a:fld id="{2579BE28-8116-0E46-93C2-74159096E69E}" type="datetimeFigureOut">
               <a:rPr kumimoji="1" lang="zh-CN" altLang="en-US" smtClean="0"/>
-              <a:t>2020/10/13</a:t>
+              <a:t>2020/10/19</a:t>
             </a:fld>
             <a:endParaRPr kumimoji="1" lang="zh-CN" altLang="en-US"/>
           </a:p>
@@ -8097,13 +8097,13 @@
           <p:nvPr>
             <p:extLst>
               <p:ext uri="{D42A27DB-BD31-4B8C-83A1-F6EECF244321}">
-                <p14:modId xmlns:p14="http://schemas.microsoft.com/office/powerpoint/2010/main" val="2844513892"/>
+                <p14:modId xmlns:p14="http://schemas.microsoft.com/office/powerpoint/2010/main" val="1739599996"/>
               </p:ext>
             </p:extLst>
           </p:nvPr>
         </p:nvGraphicFramePr>
         <p:xfrm>
-          <a:off x="2276961" y="2916742"/>
+          <a:off x="1054217" y="2799784"/>
           <a:ext cx="4425948" cy="370840"/>
         </p:xfrm>
         <a:graphic>
@@ -8373,14 +8373,14 @@
           <p:nvPr>
             <p:extLst>
               <p:ext uri="{D42A27DB-BD31-4B8C-83A1-F6EECF244321}">
-                <p14:modId xmlns:p14="http://schemas.microsoft.com/office/powerpoint/2010/main" val="1734160169"/>
+                <p14:modId xmlns:p14="http://schemas.microsoft.com/office/powerpoint/2010/main" val="195340992"/>
               </p:ext>
             </p:extLst>
           </p:nvPr>
         </p:nvGraphicFramePr>
         <p:xfrm>
-          <a:off x="7273899" y="2916742"/>
-          <a:ext cx="2950632" cy="370840"/>
+          <a:off x="6051155" y="2799784"/>
+          <a:ext cx="4857850" cy="370840"/>
         </p:xfrm>
         <a:graphic>
           <a:graphicData uri="http://schemas.openxmlformats.org/drawingml/2006/table">
@@ -8389,14 +8389,28 @@
                 <a:tableStyleId>{5C22544A-7EE6-4342-B048-85BDC9FD1C3A}</a:tableStyleId>
               </a:tblPr>
               <a:tblGrid>
-                <a:gridCol w="1475316">
+                <a:gridCol w="1434166">
                   <a:extLst>
                     <a:ext uri="{9D8B030D-6E8A-4147-A177-3AD203B41FA5}">
                       <a16:colId xmlns:a16="http://schemas.microsoft.com/office/drawing/2014/main" val="2278590028"/>
                     </a:ext>
                   </a:extLst>
                 </a:gridCol>
-                <a:gridCol w="1475316">
+                <a:gridCol w="1041991">
+                  <a:extLst>
+                    <a:ext uri="{9D8B030D-6E8A-4147-A177-3AD203B41FA5}">
+                      <a16:colId xmlns:a16="http://schemas.microsoft.com/office/drawing/2014/main" val="4097969251"/>
+                    </a:ext>
+                  </a:extLst>
+                </a:gridCol>
+                <a:gridCol w="1222744">
+                  <a:extLst>
+                    <a:ext uri="{9D8B030D-6E8A-4147-A177-3AD203B41FA5}">
+                      <a16:colId xmlns:a16="http://schemas.microsoft.com/office/drawing/2014/main" val="1671190574"/>
+                    </a:ext>
+                  </a:extLst>
+                </a:gridCol>
+                <a:gridCol w="1158949">
                   <a:extLst>
                     <a:ext uri="{9D8B030D-6E8A-4147-A177-3AD203B41FA5}">
                       <a16:colId xmlns:a16="http://schemas.microsoft.com/office/drawing/2014/main" val="2192670918"/>
@@ -8490,6 +8504,144 @@
                     <a:p>
                       <a:pPr algn="ctr"/>
                       <a:r>
+                        <a:rPr lang="en-US" altLang="zh-CN" sz="1200" b="1" i="0" dirty="0">
+                          <a:solidFill>
+                            <a:schemeClr val="tx1"/>
+                          </a:solidFill>
+                        </a:rPr>
+                        <a:t>EndMarker</a:t>
+                      </a:r>
+                      <a:endParaRPr lang="zh-CN" altLang="en-US" sz="1200" b="1" i="0" dirty="0">
+                        <a:solidFill>
+                          <a:schemeClr val="tx1"/>
+                        </a:solidFill>
+                      </a:endParaRPr>
+                    </a:p>
+                  </a:txBody>
+                  <a:tcPr anchor="ctr">
+                    <a:lnL w="12700" cap="flat" cmpd="sng" algn="ctr">
+                      <a:solidFill>
+                        <a:schemeClr val="tx1"/>
+                      </a:solidFill>
+                      <a:prstDash val="solid"/>
+                      <a:round/>
+                      <a:headEnd type="none" w="med" len="med"/>
+                      <a:tailEnd type="none" w="med" len="med"/>
+                    </a:lnL>
+                    <a:lnR w="12700" cap="flat" cmpd="sng" algn="ctr">
+                      <a:solidFill>
+                        <a:schemeClr val="tx1"/>
+                      </a:solidFill>
+                      <a:prstDash val="solid"/>
+                      <a:round/>
+                      <a:headEnd type="none" w="med" len="med"/>
+                      <a:tailEnd type="none" w="med" len="med"/>
+                    </a:lnR>
+                    <a:lnT w="12700" cap="flat" cmpd="sng" algn="ctr">
+                      <a:solidFill>
+                        <a:schemeClr val="tx1"/>
+                      </a:solidFill>
+                      <a:prstDash val="solid"/>
+                      <a:round/>
+                      <a:headEnd type="none" w="med" len="med"/>
+                      <a:tailEnd type="none" w="med" len="med"/>
+                    </a:lnT>
+                    <a:lnB w="12700" cap="flat" cmpd="sng" algn="ctr">
+                      <a:solidFill>
+                        <a:schemeClr val="tx1"/>
+                      </a:solidFill>
+                      <a:prstDash val="solid"/>
+                      <a:round/>
+                      <a:headEnd type="none" w="med" len="med"/>
+                      <a:tailEnd type="none" w="med" len="med"/>
+                    </a:lnB>
+                    <a:lnTlToBr w="12700" cmpd="sng">
+                      <a:noFill/>
+                      <a:prstDash val="solid"/>
+                    </a:lnTlToBr>
+                    <a:lnBlToTr w="12700" cmpd="sng">
+                      <a:noFill/>
+                      <a:prstDash val="solid"/>
+                    </a:lnBlToTr>
+                    <a:noFill/>
+                  </a:tcPr>
+                </a:tc>
+                <a:tc>
+                  <a:txBody>
+                    <a:bodyPr/>
+                    <a:lstStyle/>
+                    <a:p>
+                      <a:pPr algn="ctr"/>
+                      <a:r>
+                        <a:rPr lang="en-US" altLang="zh-CN" sz="1200" b="1" i="0" dirty="0">
+                          <a:solidFill>
+                            <a:schemeClr val="tx1"/>
+                          </a:solidFill>
+                        </a:rPr>
+                        <a:t>maxPointer</a:t>
+                      </a:r>
+                      <a:endParaRPr lang="zh-CN" altLang="en-US" sz="1200" b="1" i="0" dirty="0">
+                        <a:solidFill>
+                          <a:schemeClr val="tx1"/>
+                        </a:solidFill>
+                      </a:endParaRPr>
+                    </a:p>
+                  </a:txBody>
+                  <a:tcPr anchor="ctr">
+                    <a:lnL w="12700" cap="flat" cmpd="sng" algn="ctr">
+                      <a:solidFill>
+                        <a:schemeClr val="tx1"/>
+                      </a:solidFill>
+                      <a:prstDash val="solid"/>
+                      <a:round/>
+                      <a:headEnd type="none" w="med" len="med"/>
+                      <a:tailEnd type="none" w="med" len="med"/>
+                    </a:lnL>
+                    <a:lnR w="12700" cap="flat" cmpd="sng" algn="ctr">
+                      <a:solidFill>
+                        <a:schemeClr val="tx1"/>
+                      </a:solidFill>
+                      <a:prstDash val="solid"/>
+                      <a:round/>
+                      <a:headEnd type="none" w="med" len="med"/>
+                      <a:tailEnd type="none" w="med" len="med"/>
+                    </a:lnR>
+                    <a:lnT w="12700" cap="flat" cmpd="sng" algn="ctr">
+                      <a:solidFill>
+                        <a:schemeClr val="tx1"/>
+                      </a:solidFill>
+                      <a:prstDash val="solid"/>
+                      <a:round/>
+                      <a:headEnd type="none" w="med" len="med"/>
+                      <a:tailEnd type="none" w="med" len="med"/>
+                    </a:lnT>
+                    <a:lnB w="12700" cap="flat" cmpd="sng" algn="ctr">
+                      <a:solidFill>
+                        <a:schemeClr val="tx1"/>
+                      </a:solidFill>
+                      <a:prstDash val="solid"/>
+                      <a:round/>
+                      <a:headEnd type="none" w="med" len="med"/>
+                      <a:tailEnd type="none" w="med" len="med"/>
+                    </a:lnB>
+                    <a:lnTlToBr w="12700" cmpd="sng">
+                      <a:noFill/>
+                      <a:prstDash val="solid"/>
+                    </a:lnTlToBr>
+                    <a:lnBlToTr w="12700" cmpd="sng">
+                      <a:noFill/>
+                      <a:prstDash val="solid"/>
+                    </a:lnBlToTr>
+                    <a:noFill/>
+                  </a:tcPr>
+                </a:tc>
+                <a:tc>
+                  <a:txBody>
+                    <a:bodyPr/>
+                    <a:lstStyle/>
+                    <a:p>
+                      <a:pPr algn="ctr"/>
+                      <a:r>
                         <a:rPr lang="en-US" altLang="zh-CN" sz="1200" b="1" i="0" kern="1200" dirty="0">
                           <a:solidFill>
                             <a:schemeClr val="tx1"/>
@@ -8574,7 +8726,7 @@
         </p:nvSpPr>
         <p:spPr>
           <a:xfrm>
-            <a:off x="6702909" y="2918250"/>
+            <a:off x="5480165" y="2801292"/>
             <a:ext cx="570990" cy="369332"/>
           </a:xfrm>
           <a:prstGeom prst="rect">
@@ -8618,7 +8770,7 @@
         </p:nvSpPr>
         <p:spPr>
           <a:xfrm>
-            <a:off x="5549462" y="2039007"/>
+            <a:off x="5480165" y="1868887"/>
             <a:ext cx="704039" cy="461665"/>
           </a:xfrm>
           <a:prstGeom prst="rect">
@@ -10323,528 +10475,6 @@
           <a:chExt cx="0" cy="0"/>
         </a:xfrm>
       </p:grpSpPr>
-      <p:graphicFrame>
-        <p:nvGraphicFramePr>
-          <p:cNvPr id="4" name="表格 3">
-            <a:extLst>
-              <a:ext uri="{FF2B5EF4-FFF2-40B4-BE49-F238E27FC236}">
-                <a16:creationId xmlns:a16="http://schemas.microsoft.com/office/drawing/2014/main" id="{6FC65EDE-7F55-724D-84B1-4267E008614D}"/>
-              </a:ext>
-            </a:extLst>
-          </p:cNvPr>
-          <p:cNvGraphicFramePr>
-            <a:graphicFrameLocks noGrp="1"/>
-          </p:cNvGraphicFramePr>
-          <p:nvPr>
-            <p:extLst>
-              <p:ext uri="{D42A27DB-BD31-4B8C-83A1-F6EECF244321}">
-                <p14:modId xmlns:p14="http://schemas.microsoft.com/office/powerpoint/2010/main" val="3839798211"/>
-              </p:ext>
-            </p:extLst>
-          </p:nvPr>
-        </p:nvGraphicFramePr>
-        <p:xfrm>
-          <a:off x="1402318" y="877735"/>
-          <a:ext cx="4425948" cy="370840"/>
-        </p:xfrm>
-        <a:graphic>
-          <a:graphicData uri="http://schemas.openxmlformats.org/drawingml/2006/table">
-            <a:tbl>
-              <a:tblPr firstRow="1" bandRow="1">
-                <a:tableStyleId>{5C22544A-7EE6-4342-B048-85BDC9FD1C3A}</a:tableStyleId>
-              </a:tblPr>
-              <a:tblGrid>
-                <a:gridCol w="1475316">
-                  <a:extLst>
-                    <a:ext uri="{9D8B030D-6E8A-4147-A177-3AD203B41FA5}">
-                      <a16:colId xmlns:a16="http://schemas.microsoft.com/office/drawing/2014/main" val="2278590028"/>
-                    </a:ext>
-                  </a:extLst>
-                </a:gridCol>
-                <a:gridCol w="1475316">
-                  <a:extLst>
-                    <a:ext uri="{9D8B030D-6E8A-4147-A177-3AD203B41FA5}">
-                      <a16:colId xmlns:a16="http://schemas.microsoft.com/office/drawing/2014/main" val="2845361826"/>
-                    </a:ext>
-                  </a:extLst>
-                </a:gridCol>
-                <a:gridCol w="1475316">
-                  <a:extLst>
-                    <a:ext uri="{9D8B030D-6E8A-4147-A177-3AD203B41FA5}">
-                      <a16:colId xmlns:a16="http://schemas.microsoft.com/office/drawing/2014/main" val="2192670918"/>
-                    </a:ext>
-                  </a:extLst>
-                </a:gridCol>
-              </a:tblGrid>
-              <a:tr h="370840">
-                <a:tc>
-                  <a:txBody>
-                    <a:bodyPr/>
-                    <a:lstStyle/>
-                    <a:p>
-                      <a:pPr algn="ctr"/>
-                      <a:r>
-                        <a:rPr lang="en-US" altLang="zh-CN" sz="1200" b="1" i="0" kern="1200" dirty="0">
-                          <a:solidFill>
-                            <a:schemeClr val="tx1"/>
-                          </a:solidFill>
-                          <a:effectLst/>
-                          <a:latin typeface="+mn-lt"/>
-                          <a:ea typeface="+mn-ea"/>
-                          <a:cs typeface="+mn-cs"/>
-                        </a:rPr>
-                        <a:t>Header</a:t>
-                      </a:r>
-                      <a:endParaRPr lang="zh-CN" altLang="en-US" sz="1200" b="1" i="0" dirty="0">
-                        <a:solidFill>
-                          <a:schemeClr val="tx1"/>
-                        </a:solidFill>
-                      </a:endParaRPr>
-                    </a:p>
-                  </a:txBody>
-                  <a:tcPr anchor="ctr">
-                    <a:lnL w="12700" cap="flat" cmpd="sng" algn="ctr">
-                      <a:solidFill>
-                        <a:schemeClr val="tx1"/>
-                      </a:solidFill>
-                      <a:prstDash val="solid"/>
-                      <a:round/>
-                      <a:headEnd type="none" w="med" len="med"/>
-                      <a:tailEnd type="none" w="med" len="med"/>
-                    </a:lnL>
-                    <a:lnR w="12700" cap="flat" cmpd="sng" algn="ctr">
-                      <a:solidFill>
-                        <a:schemeClr val="tx1"/>
-                      </a:solidFill>
-                      <a:prstDash val="solid"/>
-                      <a:round/>
-                      <a:headEnd type="none" w="med" len="med"/>
-                      <a:tailEnd type="none" w="med" len="med"/>
-                    </a:lnR>
-                    <a:lnT w="12700" cap="flat" cmpd="sng" algn="ctr">
-                      <a:solidFill>
-                        <a:schemeClr val="tx1"/>
-                      </a:solidFill>
-                      <a:prstDash val="solid"/>
-                      <a:round/>
-                      <a:headEnd type="none" w="med" len="med"/>
-                      <a:tailEnd type="none" w="med" len="med"/>
-                    </a:lnT>
-                    <a:lnB w="12700" cap="flat" cmpd="sng" algn="ctr">
-                      <a:solidFill>
-                        <a:schemeClr val="tx1"/>
-                      </a:solidFill>
-                      <a:prstDash val="solid"/>
-                      <a:round/>
-                      <a:headEnd type="none" w="med" len="med"/>
-                      <a:tailEnd type="none" w="med" len="med"/>
-                    </a:lnB>
-                    <a:lnTlToBr w="12700" cmpd="sng">
-                      <a:noFill/>
-                      <a:prstDash val="solid"/>
-                    </a:lnTlToBr>
-                    <a:lnBlToTr w="12700" cmpd="sng">
-                      <a:noFill/>
-                      <a:prstDash val="solid"/>
-                    </a:lnBlToTr>
-                    <a:solidFill>
-                      <a:srgbClr val="0070C0"/>
-                    </a:solidFill>
-                  </a:tcPr>
-                </a:tc>
-                <a:tc>
-                  <a:txBody>
-                    <a:bodyPr/>
-                    <a:lstStyle/>
-                    <a:p>
-                      <a:pPr algn="ctr"/>
-                      <a:r>
-                        <a:rPr lang="en-US" altLang="zh-CN" sz="1200" b="1" i="0" kern="1200" dirty="0">
-                          <a:solidFill>
-                            <a:schemeClr val="tx1"/>
-                          </a:solidFill>
-                          <a:effectLst/>
-                          <a:latin typeface="+mn-lt"/>
-                          <a:ea typeface="+mn-ea"/>
-                          <a:cs typeface="+mn-cs"/>
-                        </a:rPr>
-                        <a:t>PackedIntsVersion</a:t>
-                      </a:r>
-                      <a:endParaRPr lang="zh-CN" altLang="en-US" sz="1200" b="0" i="0" dirty="0">
-                        <a:solidFill>
-                          <a:schemeClr val="tx1"/>
-                        </a:solidFill>
-                      </a:endParaRPr>
-                    </a:p>
-                  </a:txBody>
-                  <a:tcPr anchor="ctr">
-                    <a:lnL w="12700" cap="flat" cmpd="sng" algn="ctr">
-                      <a:solidFill>
-                        <a:schemeClr val="tx1"/>
-                      </a:solidFill>
-                      <a:prstDash val="solid"/>
-                      <a:round/>
-                      <a:headEnd type="none" w="med" len="med"/>
-                      <a:tailEnd type="none" w="med" len="med"/>
-                    </a:lnL>
-                    <a:lnR w="12700" cap="flat" cmpd="sng" algn="ctr">
-                      <a:solidFill>
-                        <a:schemeClr val="tx1"/>
-                      </a:solidFill>
-                      <a:prstDash val="solid"/>
-                      <a:round/>
-                      <a:headEnd type="none" w="med" len="med"/>
-                      <a:tailEnd type="none" w="med" len="med"/>
-                    </a:lnR>
-                    <a:lnT w="12700" cap="flat" cmpd="sng" algn="ctr">
-                      <a:solidFill>
-                        <a:schemeClr val="tx1"/>
-                      </a:solidFill>
-                      <a:prstDash val="solid"/>
-                      <a:round/>
-                      <a:headEnd type="none" w="med" len="med"/>
-                      <a:tailEnd type="none" w="med" len="med"/>
-                    </a:lnT>
-                    <a:lnB w="12700" cap="flat" cmpd="sng" algn="ctr">
-                      <a:solidFill>
-                        <a:schemeClr val="tx1"/>
-                      </a:solidFill>
-                      <a:prstDash val="solid"/>
-                      <a:round/>
-                      <a:headEnd type="none" w="med" len="med"/>
-                      <a:tailEnd type="none" w="med" len="med"/>
-                    </a:lnB>
-                    <a:solidFill>
-                      <a:schemeClr val="bg1"/>
-                    </a:solidFill>
-                  </a:tcPr>
-                </a:tc>
-                <a:tc>
-                  <a:txBody>
-                    <a:bodyPr/>
-                    <a:lstStyle/>
-                    <a:p>
-                      <a:pPr algn="ctr"/>
-                      <a:r>
-                        <a:rPr lang="en-US" altLang="zh-CN" sz="1200" b="1" i="0" kern="1200" dirty="0">
-                          <a:solidFill>
-                            <a:schemeClr val="tx1"/>
-                          </a:solidFill>
-                          <a:effectLst/>
-                          <a:latin typeface="+mn-lt"/>
-                          <a:ea typeface="+mn-ea"/>
-                          <a:cs typeface="+mn-cs"/>
-                        </a:rPr>
-                        <a:t>Block</a:t>
-                      </a:r>
-                      <a:endParaRPr lang="zh-CN" altLang="en-US" sz="1200" b="0" i="0" dirty="0">
-                        <a:solidFill>
-                          <a:schemeClr val="tx1"/>
-                        </a:solidFill>
-                      </a:endParaRPr>
-                    </a:p>
-                  </a:txBody>
-                  <a:tcPr anchor="ctr">
-                    <a:lnL w="12700" cap="flat" cmpd="sng" algn="ctr">
-                      <a:solidFill>
-                        <a:schemeClr val="tx1"/>
-                      </a:solidFill>
-                      <a:prstDash val="solid"/>
-                      <a:round/>
-                      <a:headEnd type="none" w="med" len="med"/>
-                      <a:tailEnd type="none" w="med" len="med"/>
-                    </a:lnL>
-                    <a:lnR w="12700" cap="flat" cmpd="sng" algn="ctr">
-                      <a:solidFill>
-                        <a:schemeClr val="tx1"/>
-                      </a:solidFill>
-                      <a:prstDash val="solid"/>
-                      <a:round/>
-                      <a:headEnd type="none" w="med" len="med"/>
-                      <a:tailEnd type="none" w="med" len="med"/>
-                    </a:lnR>
-                    <a:lnT w="12700" cap="flat" cmpd="sng" algn="ctr">
-                      <a:solidFill>
-                        <a:schemeClr val="tx1"/>
-                      </a:solidFill>
-                      <a:prstDash val="solid"/>
-                      <a:round/>
-                      <a:headEnd type="none" w="med" len="med"/>
-                      <a:tailEnd type="none" w="med" len="med"/>
-                    </a:lnT>
-                    <a:lnB w="12700" cap="flat" cmpd="sng" algn="ctr">
-                      <a:solidFill>
-                        <a:schemeClr val="tx1"/>
-                      </a:solidFill>
-                      <a:prstDash val="solid"/>
-                      <a:round/>
-                      <a:headEnd type="none" w="med" len="med"/>
-                      <a:tailEnd type="none" w="med" len="med"/>
-                    </a:lnB>
-                    <a:solidFill>
-                      <a:schemeClr val="accent6">
-                        <a:lumMod val="20000"/>
-                        <a:lumOff val="80000"/>
-                      </a:schemeClr>
-                    </a:solidFill>
-                  </a:tcPr>
-                </a:tc>
-                <a:extLst>
-                  <a:ext uri="{0D108BD9-81ED-4DB2-BD59-A6C34878D82A}">
-                    <a16:rowId xmlns:a16="http://schemas.microsoft.com/office/drawing/2014/main" val="1027363210"/>
-                  </a:ext>
-                </a:extLst>
-              </a:tr>
-            </a:tbl>
-          </a:graphicData>
-        </a:graphic>
-      </p:graphicFrame>
-      <p:graphicFrame>
-        <p:nvGraphicFramePr>
-          <p:cNvPr id="5" name="表格 4">
-            <a:extLst>
-              <a:ext uri="{FF2B5EF4-FFF2-40B4-BE49-F238E27FC236}">
-                <a16:creationId xmlns:a16="http://schemas.microsoft.com/office/drawing/2014/main" id="{95632879-211C-5841-AB7D-BB8AF2B76B5A}"/>
-              </a:ext>
-            </a:extLst>
-          </p:cNvPr>
-          <p:cNvGraphicFramePr>
-            <a:graphicFrameLocks noGrp="1"/>
-          </p:cNvGraphicFramePr>
-          <p:nvPr>
-            <p:extLst>
-              <p:ext uri="{D42A27DB-BD31-4B8C-83A1-F6EECF244321}">
-                <p14:modId xmlns:p14="http://schemas.microsoft.com/office/powerpoint/2010/main" val="1656125640"/>
-              </p:ext>
-            </p:extLst>
-          </p:nvPr>
-        </p:nvGraphicFramePr>
-        <p:xfrm>
-          <a:off x="6399256" y="877735"/>
-          <a:ext cx="2950632" cy="370840"/>
-        </p:xfrm>
-        <a:graphic>
-          <a:graphicData uri="http://schemas.openxmlformats.org/drawingml/2006/table">
-            <a:tbl>
-              <a:tblPr firstRow="1" bandRow="1">
-                <a:tableStyleId>{5C22544A-7EE6-4342-B048-85BDC9FD1C3A}</a:tableStyleId>
-              </a:tblPr>
-              <a:tblGrid>
-                <a:gridCol w="1475316">
-                  <a:extLst>
-                    <a:ext uri="{9D8B030D-6E8A-4147-A177-3AD203B41FA5}">
-                      <a16:colId xmlns:a16="http://schemas.microsoft.com/office/drawing/2014/main" val="2278590028"/>
-                    </a:ext>
-                  </a:extLst>
-                </a:gridCol>
-                <a:gridCol w="1475316">
-                  <a:extLst>
-                    <a:ext uri="{9D8B030D-6E8A-4147-A177-3AD203B41FA5}">
-                      <a16:colId xmlns:a16="http://schemas.microsoft.com/office/drawing/2014/main" val="2192670918"/>
-                    </a:ext>
-                  </a:extLst>
-                </a:gridCol>
-              </a:tblGrid>
-              <a:tr h="370840">
-                <a:tc>
-                  <a:txBody>
-                    <a:bodyPr/>
-                    <a:lstStyle/>
-                    <a:p>
-                      <a:pPr algn="ctr"/>
-                      <a:r>
-                        <a:rPr lang="en-US" altLang="zh-CN" sz="1200" b="1" i="0" kern="1200" dirty="0">
-                          <a:solidFill>
-                            <a:schemeClr val="tx1"/>
-                          </a:solidFill>
-                          <a:effectLst/>
-                          <a:latin typeface="+mn-lt"/>
-                          <a:ea typeface="+mn-ea"/>
-                          <a:cs typeface="+mn-cs"/>
-                        </a:rPr>
-                        <a:t>Block</a:t>
-                      </a:r>
-                      <a:endParaRPr lang="zh-CN" altLang="en-US" sz="1200" b="1" i="0" dirty="0">
-                        <a:solidFill>
-                          <a:schemeClr val="tx1"/>
-                        </a:solidFill>
-                      </a:endParaRPr>
-                    </a:p>
-                  </a:txBody>
-                  <a:tcPr anchor="ctr">
-                    <a:lnL w="12700" cap="flat" cmpd="sng" algn="ctr">
-                      <a:solidFill>
-                        <a:schemeClr val="tx1"/>
-                      </a:solidFill>
-                      <a:prstDash val="solid"/>
-                      <a:round/>
-                      <a:headEnd type="none" w="med" len="med"/>
-                      <a:tailEnd type="none" w="med" len="med"/>
-                    </a:lnL>
-                    <a:lnR w="12700" cap="flat" cmpd="sng" algn="ctr">
-                      <a:solidFill>
-                        <a:schemeClr val="tx1"/>
-                      </a:solidFill>
-                      <a:prstDash val="solid"/>
-                      <a:round/>
-                      <a:headEnd type="none" w="med" len="med"/>
-                      <a:tailEnd type="none" w="med" len="med"/>
-                    </a:lnR>
-                    <a:lnT w="12700" cap="flat" cmpd="sng" algn="ctr">
-                      <a:solidFill>
-                        <a:schemeClr val="tx1"/>
-                      </a:solidFill>
-                      <a:prstDash val="solid"/>
-                      <a:round/>
-                      <a:headEnd type="none" w="med" len="med"/>
-                      <a:tailEnd type="none" w="med" len="med"/>
-                    </a:lnT>
-                    <a:lnB w="12700" cap="flat" cmpd="sng" algn="ctr">
-                      <a:solidFill>
-                        <a:schemeClr val="tx1"/>
-                      </a:solidFill>
-                      <a:prstDash val="solid"/>
-                      <a:round/>
-                      <a:headEnd type="none" w="med" len="med"/>
-                      <a:tailEnd type="none" w="med" len="med"/>
-                    </a:lnB>
-                    <a:lnTlToBr w="12700" cmpd="sng">
-                      <a:noFill/>
-                      <a:prstDash val="solid"/>
-                    </a:lnTlToBr>
-                    <a:lnBlToTr w="12700" cmpd="sng">
-                      <a:noFill/>
-                      <a:prstDash val="solid"/>
-                    </a:lnBlToTr>
-                    <a:solidFill>
-                      <a:schemeClr val="accent6">
-                        <a:lumMod val="20000"/>
-                        <a:lumOff val="80000"/>
-                      </a:schemeClr>
-                    </a:solidFill>
-                  </a:tcPr>
-                </a:tc>
-                <a:tc>
-                  <a:txBody>
-                    <a:bodyPr/>
-                    <a:lstStyle/>
-                    <a:p>
-                      <a:pPr algn="ctr"/>
-                      <a:r>
-                        <a:rPr lang="en-US" altLang="zh-CN" sz="1200" b="1" i="0" kern="1200" dirty="0">
-                          <a:solidFill>
-                            <a:schemeClr val="tx1"/>
-                          </a:solidFill>
-                          <a:effectLst/>
-                          <a:latin typeface="+mn-lt"/>
-                          <a:ea typeface="+mn-ea"/>
-                          <a:cs typeface="+mn-cs"/>
-                        </a:rPr>
-                        <a:t>Footer</a:t>
-                      </a:r>
-                      <a:endParaRPr lang="zh-CN" altLang="en-US" sz="1200" b="1" i="0" dirty="0">
-                        <a:solidFill>
-                          <a:schemeClr val="tx1"/>
-                        </a:solidFill>
-                      </a:endParaRPr>
-                    </a:p>
-                  </a:txBody>
-                  <a:tcPr anchor="ctr">
-                    <a:lnL w="12700" cap="flat" cmpd="sng" algn="ctr">
-                      <a:solidFill>
-                        <a:schemeClr val="tx1"/>
-                      </a:solidFill>
-                      <a:prstDash val="solid"/>
-                      <a:round/>
-                      <a:headEnd type="none" w="med" len="med"/>
-                      <a:tailEnd type="none" w="med" len="med"/>
-                    </a:lnL>
-                    <a:lnR w="12700" cap="flat" cmpd="sng" algn="ctr">
-                      <a:solidFill>
-                        <a:schemeClr val="tx1"/>
-                      </a:solidFill>
-                      <a:prstDash val="solid"/>
-                      <a:round/>
-                      <a:headEnd type="none" w="med" len="med"/>
-                      <a:tailEnd type="none" w="med" len="med"/>
-                    </a:lnR>
-                    <a:lnT w="12700" cap="flat" cmpd="sng" algn="ctr">
-                      <a:solidFill>
-                        <a:schemeClr val="tx1"/>
-                      </a:solidFill>
-                      <a:prstDash val="solid"/>
-                      <a:round/>
-                      <a:headEnd type="none" w="med" len="med"/>
-                      <a:tailEnd type="none" w="med" len="med"/>
-                    </a:lnT>
-                    <a:lnB w="12700" cap="flat" cmpd="sng" algn="ctr">
-                      <a:solidFill>
-                        <a:schemeClr val="tx1"/>
-                      </a:solidFill>
-                      <a:prstDash val="solid"/>
-                      <a:round/>
-                      <a:headEnd type="none" w="med" len="med"/>
-                      <a:tailEnd type="none" w="med" len="med"/>
-                    </a:lnB>
-                    <a:solidFill>
-                      <a:srgbClr val="7030A0"/>
-                    </a:solidFill>
-                  </a:tcPr>
-                </a:tc>
-                <a:extLst>
-                  <a:ext uri="{0D108BD9-81ED-4DB2-BD59-A6C34878D82A}">
-                    <a16:rowId xmlns:a16="http://schemas.microsoft.com/office/drawing/2014/main" val="1027363210"/>
-                  </a:ext>
-                </a:extLst>
-              </a:tr>
-            </a:tbl>
-          </a:graphicData>
-        </a:graphic>
-      </p:graphicFrame>
-      <p:sp>
-        <p:nvSpPr>
-          <p:cNvPr id="6" name="文本框 5">
-            <a:extLst>
-              <a:ext uri="{FF2B5EF4-FFF2-40B4-BE49-F238E27FC236}">
-                <a16:creationId xmlns:a16="http://schemas.microsoft.com/office/drawing/2014/main" id="{BCE329DD-B011-884B-9AB9-E00CD87B7189}"/>
-              </a:ext>
-            </a:extLst>
-          </p:cNvPr>
-          <p:cNvSpPr txBox="1"/>
-          <p:nvPr/>
-        </p:nvSpPr>
-        <p:spPr>
-          <a:xfrm>
-            <a:off x="5828266" y="879243"/>
-            <a:ext cx="570990" cy="369332"/>
-          </a:xfrm>
-          <a:prstGeom prst="rect">
-            <a:avLst/>
-          </a:prstGeom>
-          <a:noFill/>
-        </p:spPr>
-        <p:txBody>
-          <a:bodyPr wrap="none" rtlCol="0">
-            <a:spAutoFit/>
-          </a:bodyPr>
-          <a:lstStyle/>
-          <a:p>
-            <a:r>
-              <a:rPr kumimoji="1" lang="en-US" altLang="zh-CN" dirty="0"/>
-              <a:t>…</a:t>
-            </a:r>
-            <a:r>
-              <a:rPr kumimoji="1" lang="zh-CN" altLang="en-US" dirty="0"/>
-              <a:t> </a:t>
-            </a:r>
-            <a:r>
-              <a:rPr kumimoji="1" lang="en-US" altLang="zh-CN" dirty="0"/>
-              <a:t>…</a:t>
-            </a:r>
-            <a:endParaRPr kumimoji="1" lang="zh-CN" altLang="en-US" dirty="0"/>
-          </a:p>
-        </p:txBody>
-      </p:sp>
       <p:sp>
         <p:nvSpPr>
           <p:cNvPr id="7" name="文本框 6">
@@ -11176,8 +10806,8 @@
         </p:nvCxnSpPr>
         <p:spPr>
           <a:xfrm flipH="1">
-            <a:off x="4781689" y="1248575"/>
-            <a:ext cx="1617567" cy="663704"/>
+            <a:off x="4781690" y="1275795"/>
+            <a:ext cx="1662868" cy="636484"/>
           </a:xfrm>
           <a:prstGeom prst="line">
             <a:avLst/>
@@ -11209,7 +10839,6 @@
           </p:cNvPr>
           <p:cNvCxnSpPr>
             <a:cxnSpLocks/>
-            <a:stCxn id="5" idx="2"/>
           </p:cNvCxnSpPr>
           <p:nvPr/>
         </p:nvCxnSpPr>
@@ -12085,6 +11714,680 @@
           </a:fontRef>
         </p:style>
       </p:cxnSp>
+      <p:graphicFrame>
+        <p:nvGraphicFramePr>
+          <p:cNvPr id="15" name="表格 14">
+            <a:extLst>
+              <a:ext uri="{FF2B5EF4-FFF2-40B4-BE49-F238E27FC236}">
+                <a16:creationId xmlns:a16="http://schemas.microsoft.com/office/drawing/2014/main" id="{5ADD5B44-5CF3-9F43-946E-9AABD3061A97}"/>
+              </a:ext>
+            </a:extLst>
+          </p:cNvPr>
+          <p:cNvGraphicFramePr>
+            <a:graphicFrameLocks noGrp="1"/>
+          </p:cNvGraphicFramePr>
+          <p:nvPr>
+            <p:extLst>
+              <p:ext uri="{D42A27DB-BD31-4B8C-83A1-F6EECF244321}">
+                <p14:modId xmlns:p14="http://schemas.microsoft.com/office/powerpoint/2010/main" val="595373630"/>
+              </p:ext>
+            </p:extLst>
+          </p:nvPr>
+        </p:nvGraphicFramePr>
+        <p:xfrm>
+          <a:off x="1447621" y="877735"/>
+          <a:ext cx="4425948" cy="370840"/>
+        </p:xfrm>
+        <a:graphic>
+          <a:graphicData uri="http://schemas.openxmlformats.org/drawingml/2006/table">
+            <a:tbl>
+              <a:tblPr firstRow="1" bandRow="1">
+                <a:tableStyleId>{5C22544A-7EE6-4342-B048-85BDC9FD1C3A}</a:tableStyleId>
+              </a:tblPr>
+              <a:tblGrid>
+                <a:gridCol w="1475316">
+                  <a:extLst>
+                    <a:ext uri="{9D8B030D-6E8A-4147-A177-3AD203B41FA5}">
+                      <a16:colId xmlns:a16="http://schemas.microsoft.com/office/drawing/2014/main" val="2278590028"/>
+                    </a:ext>
+                  </a:extLst>
+                </a:gridCol>
+                <a:gridCol w="1475316">
+                  <a:extLst>
+                    <a:ext uri="{9D8B030D-6E8A-4147-A177-3AD203B41FA5}">
+                      <a16:colId xmlns:a16="http://schemas.microsoft.com/office/drawing/2014/main" val="2845361826"/>
+                    </a:ext>
+                  </a:extLst>
+                </a:gridCol>
+                <a:gridCol w="1475316">
+                  <a:extLst>
+                    <a:ext uri="{9D8B030D-6E8A-4147-A177-3AD203B41FA5}">
+                      <a16:colId xmlns:a16="http://schemas.microsoft.com/office/drawing/2014/main" val="2192670918"/>
+                    </a:ext>
+                  </a:extLst>
+                </a:gridCol>
+              </a:tblGrid>
+              <a:tr h="370840">
+                <a:tc>
+                  <a:txBody>
+                    <a:bodyPr/>
+                    <a:lstStyle/>
+                    <a:p>
+                      <a:pPr algn="ctr"/>
+                      <a:r>
+                        <a:rPr lang="en-US" altLang="zh-CN" sz="1200" b="1" i="0" kern="1200" dirty="0">
+                          <a:solidFill>
+                            <a:schemeClr val="tx1"/>
+                          </a:solidFill>
+                          <a:effectLst/>
+                          <a:latin typeface="+mn-lt"/>
+                          <a:ea typeface="+mn-ea"/>
+                          <a:cs typeface="+mn-cs"/>
+                        </a:rPr>
+                        <a:t>Header</a:t>
+                      </a:r>
+                      <a:endParaRPr lang="zh-CN" altLang="en-US" sz="1200" b="1" i="0" dirty="0">
+                        <a:solidFill>
+                          <a:schemeClr val="tx1"/>
+                        </a:solidFill>
+                      </a:endParaRPr>
+                    </a:p>
+                  </a:txBody>
+                  <a:tcPr anchor="ctr">
+                    <a:lnL w="12700" cap="flat" cmpd="sng" algn="ctr">
+                      <a:solidFill>
+                        <a:schemeClr val="tx1"/>
+                      </a:solidFill>
+                      <a:prstDash val="solid"/>
+                      <a:round/>
+                      <a:headEnd type="none" w="med" len="med"/>
+                      <a:tailEnd type="none" w="med" len="med"/>
+                    </a:lnL>
+                    <a:lnR w="12700" cap="flat" cmpd="sng" algn="ctr">
+                      <a:solidFill>
+                        <a:schemeClr val="tx1"/>
+                      </a:solidFill>
+                      <a:prstDash val="solid"/>
+                      <a:round/>
+                      <a:headEnd type="none" w="med" len="med"/>
+                      <a:tailEnd type="none" w="med" len="med"/>
+                    </a:lnR>
+                    <a:lnT w="12700" cap="flat" cmpd="sng" algn="ctr">
+                      <a:solidFill>
+                        <a:schemeClr val="tx1"/>
+                      </a:solidFill>
+                      <a:prstDash val="solid"/>
+                      <a:round/>
+                      <a:headEnd type="none" w="med" len="med"/>
+                      <a:tailEnd type="none" w="med" len="med"/>
+                    </a:lnT>
+                    <a:lnB w="12700" cap="flat" cmpd="sng" algn="ctr">
+                      <a:solidFill>
+                        <a:schemeClr val="tx1"/>
+                      </a:solidFill>
+                      <a:prstDash val="solid"/>
+                      <a:round/>
+                      <a:headEnd type="none" w="med" len="med"/>
+                      <a:tailEnd type="none" w="med" len="med"/>
+                    </a:lnB>
+                    <a:lnTlToBr w="12700" cmpd="sng">
+                      <a:noFill/>
+                      <a:prstDash val="solid"/>
+                    </a:lnTlToBr>
+                    <a:lnBlToTr w="12700" cmpd="sng">
+                      <a:noFill/>
+                      <a:prstDash val="solid"/>
+                    </a:lnBlToTr>
+                    <a:solidFill>
+                      <a:srgbClr val="0070C0"/>
+                    </a:solidFill>
+                  </a:tcPr>
+                </a:tc>
+                <a:tc>
+                  <a:txBody>
+                    <a:bodyPr/>
+                    <a:lstStyle/>
+                    <a:p>
+                      <a:pPr algn="ctr"/>
+                      <a:r>
+                        <a:rPr lang="en-US" altLang="zh-CN" sz="1200" b="1" i="0" kern="1200" dirty="0">
+                          <a:solidFill>
+                            <a:schemeClr val="tx1"/>
+                          </a:solidFill>
+                          <a:effectLst/>
+                          <a:latin typeface="+mn-lt"/>
+                          <a:ea typeface="+mn-ea"/>
+                          <a:cs typeface="+mn-cs"/>
+                        </a:rPr>
+                        <a:t>PackedIntsVersion</a:t>
+                      </a:r>
+                      <a:endParaRPr lang="zh-CN" altLang="en-US" sz="1200" b="0" i="0" dirty="0">
+                        <a:solidFill>
+                          <a:schemeClr val="tx1"/>
+                        </a:solidFill>
+                      </a:endParaRPr>
+                    </a:p>
+                  </a:txBody>
+                  <a:tcPr anchor="ctr">
+                    <a:lnL w="12700" cap="flat" cmpd="sng" algn="ctr">
+                      <a:solidFill>
+                        <a:schemeClr val="tx1"/>
+                      </a:solidFill>
+                      <a:prstDash val="solid"/>
+                      <a:round/>
+                      <a:headEnd type="none" w="med" len="med"/>
+                      <a:tailEnd type="none" w="med" len="med"/>
+                    </a:lnL>
+                    <a:lnR w="12700" cap="flat" cmpd="sng" algn="ctr">
+                      <a:solidFill>
+                        <a:schemeClr val="tx1"/>
+                      </a:solidFill>
+                      <a:prstDash val="solid"/>
+                      <a:round/>
+                      <a:headEnd type="none" w="med" len="med"/>
+                      <a:tailEnd type="none" w="med" len="med"/>
+                    </a:lnR>
+                    <a:lnT w="12700" cap="flat" cmpd="sng" algn="ctr">
+                      <a:solidFill>
+                        <a:schemeClr val="tx1"/>
+                      </a:solidFill>
+                      <a:prstDash val="solid"/>
+                      <a:round/>
+                      <a:headEnd type="none" w="med" len="med"/>
+                      <a:tailEnd type="none" w="med" len="med"/>
+                    </a:lnT>
+                    <a:lnB w="12700" cap="flat" cmpd="sng" algn="ctr">
+                      <a:solidFill>
+                        <a:schemeClr val="tx1"/>
+                      </a:solidFill>
+                      <a:prstDash val="solid"/>
+                      <a:round/>
+                      <a:headEnd type="none" w="med" len="med"/>
+                      <a:tailEnd type="none" w="med" len="med"/>
+                    </a:lnB>
+                    <a:solidFill>
+                      <a:schemeClr val="bg1"/>
+                    </a:solidFill>
+                  </a:tcPr>
+                </a:tc>
+                <a:tc>
+                  <a:txBody>
+                    <a:bodyPr/>
+                    <a:lstStyle/>
+                    <a:p>
+                      <a:pPr algn="ctr"/>
+                      <a:r>
+                        <a:rPr lang="en-US" altLang="zh-CN" sz="1200" b="1" i="0" kern="1200" dirty="0">
+                          <a:solidFill>
+                            <a:schemeClr val="tx1"/>
+                          </a:solidFill>
+                          <a:effectLst/>
+                          <a:latin typeface="+mn-lt"/>
+                          <a:ea typeface="+mn-ea"/>
+                          <a:cs typeface="+mn-cs"/>
+                        </a:rPr>
+                        <a:t>Block</a:t>
+                      </a:r>
+                      <a:endParaRPr lang="zh-CN" altLang="en-US" sz="1200" b="0" i="0" dirty="0">
+                        <a:solidFill>
+                          <a:schemeClr val="tx1"/>
+                        </a:solidFill>
+                      </a:endParaRPr>
+                    </a:p>
+                  </a:txBody>
+                  <a:tcPr anchor="ctr">
+                    <a:lnL w="12700" cap="flat" cmpd="sng" algn="ctr">
+                      <a:solidFill>
+                        <a:schemeClr val="tx1"/>
+                      </a:solidFill>
+                      <a:prstDash val="solid"/>
+                      <a:round/>
+                      <a:headEnd type="none" w="med" len="med"/>
+                      <a:tailEnd type="none" w="med" len="med"/>
+                    </a:lnL>
+                    <a:lnR w="12700" cap="flat" cmpd="sng" algn="ctr">
+                      <a:solidFill>
+                        <a:schemeClr val="tx1"/>
+                      </a:solidFill>
+                      <a:prstDash val="solid"/>
+                      <a:round/>
+                      <a:headEnd type="none" w="med" len="med"/>
+                      <a:tailEnd type="none" w="med" len="med"/>
+                    </a:lnR>
+                    <a:lnT w="12700" cap="flat" cmpd="sng" algn="ctr">
+                      <a:solidFill>
+                        <a:schemeClr val="tx1"/>
+                      </a:solidFill>
+                      <a:prstDash val="solid"/>
+                      <a:round/>
+                      <a:headEnd type="none" w="med" len="med"/>
+                      <a:tailEnd type="none" w="med" len="med"/>
+                    </a:lnT>
+                    <a:lnB w="12700" cap="flat" cmpd="sng" algn="ctr">
+                      <a:solidFill>
+                        <a:schemeClr val="tx1"/>
+                      </a:solidFill>
+                      <a:prstDash val="solid"/>
+                      <a:round/>
+                      <a:headEnd type="none" w="med" len="med"/>
+                      <a:tailEnd type="none" w="med" len="med"/>
+                    </a:lnB>
+                    <a:solidFill>
+                      <a:schemeClr val="accent6">
+                        <a:lumMod val="20000"/>
+                        <a:lumOff val="80000"/>
+                      </a:schemeClr>
+                    </a:solidFill>
+                  </a:tcPr>
+                </a:tc>
+                <a:extLst>
+                  <a:ext uri="{0D108BD9-81ED-4DB2-BD59-A6C34878D82A}">
+                    <a16:rowId xmlns:a16="http://schemas.microsoft.com/office/drawing/2014/main" val="1027363210"/>
+                  </a:ext>
+                </a:extLst>
+              </a:tr>
+            </a:tbl>
+          </a:graphicData>
+        </a:graphic>
+      </p:graphicFrame>
+      <p:graphicFrame>
+        <p:nvGraphicFramePr>
+          <p:cNvPr id="16" name="表格 15">
+            <a:extLst>
+              <a:ext uri="{FF2B5EF4-FFF2-40B4-BE49-F238E27FC236}">
+                <a16:creationId xmlns:a16="http://schemas.microsoft.com/office/drawing/2014/main" id="{CFC3B322-AED5-A149-A837-4976889AD050}"/>
+              </a:ext>
+            </a:extLst>
+          </p:cNvPr>
+          <p:cNvGraphicFramePr>
+            <a:graphicFrameLocks noGrp="1"/>
+          </p:cNvGraphicFramePr>
+          <p:nvPr>
+            <p:extLst>
+              <p:ext uri="{D42A27DB-BD31-4B8C-83A1-F6EECF244321}">
+                <p14:modId xmlns:p14="http://schemas.microsoft.com/office/powerpoint/2010/main" val="802623486"/>
+              </p:ext>
+            </p:extLst>
+          </p:nvPr>
+        </p:nvGraphicFramePr>
+        <p:xfrm>
+          <a:off x="6444559" y="877735"/>
+          <a:ext cx="4857850" cy="370840"/>
+        </p:xfrm>
+        <a:graphic>
+          <a:graphicData uri="http://schemas.openxmlformats.org/drawingml/2006/table">
+            <a:tbl>
+              <a:tblPr firstRow="1" bandRow="1">
+                <a:tableStyleId>{5C22544A-7EE6-4342-B048-85BDC9FD1C3A}</a:tableStyleId>
+              </a:tblPr>
+              <a:tblGrid>
+                <a:gridCol w="1434166">
+                  <a:extLst>
+                    <a:ext uri="{9D8B030D-6E8A-4147-A177-3AD203B41FA5}">
+                      <a16:colId xmlns:a16="http://schemas.microsoft.com/office/drawing/2014/main" val="2278590028"/>
+                    </a:ext>
+                  </a:extLst>
+                </a:gridCol>
+                <a:gridCol w="1041991">
+                  <a:extLst>
+                    <a:ext uri="{9D8B030D-6E8A-4147-A177-3AD203B41FA5}">
+                      <a16:colId xmlns:a16="http://schemas.microsoft.com/office/drawing/2014/main" val="4097969251"/>
+                    </a:ext>
+                  </a:extLst>
+                </a:gridCol>
+                <a:gridCol w="1222744">
+                  <a:extLst>
+                    <a:ext uri="{9D8B030D-6E8A-4147-A177-3AD203B41FA5}">
+                      <a16:colId xmlns:a16="http://schemas.microsoft.com/office/drawing/2014/main" val="1671190574"/>
+                    </a:ext>
+                  </a:extLst>
+                </a:gridCol>
+                <a:gridCol w="1158949">
+                  <a:extLst>
+                    <a:ext uri="{9D8B030D-6E8A-4147-A177-3AD203B41FA5}">
+                      <a16:colId xmlns:a16="http://schemas.microsoft.com/office/drawing/2014/main" val="2192670918"/>
+                    </a:ext>
+                  </a:extLst>
+                </a:gridCol>
+              </a:tblGrid>
+              <a:tr h="370840">
+                <a:tc>
+                  <a:txBody>
+                    <a:bodyPr/>
+                    <a:lstStyle/>
+                    <a:p>
+                      <a:pPr algn="ctr"/>
+                      <a:r>
+                        <a:rPr lang="en-US" altLang="zh-CN" sz="1200" b="1" i="0" kern="1200" dirty="0">
+                          <a:solidFill>
+                            <a:schemeClr val="tx1"/>
+                          </a:solidFill>
+                          <a:effectLst/>
+                          <a:latin typeface="+mn-lt"/>
+                          <a:ea typeface="+mn-ea"/>
+                          <a:cs typeface="+mn-cs"/>
+                        </a:rPr>
+                        <a:t>Block</a:t>
+                      </a:r>
+                      <a:endParaRPr lang="zh-CN" altLang="en-US" sz="1200" b="1" i="0" dirty="0">
+                        <a:solidFill>
+                          <a:schemeClr val="tx1"/>
+                        </a:solidFill>
+                      </a:endParaRPr>
+                    </a:p>
+                  </a:txBody>
+                  <a:tcPr anchor="ctr">
+                    <a:lnL w="12700" cap="flat" cmpd="sng" algn="ctr">
+                      <a:solidFill>
+                        <a:schemeClr val="tx1"/>
+                      </a:solidFill>
+                      <a:prstDash val="solid"/>
+                      <a:round/>
+                      <a:headEnd type="none" w="med" len="med"/>
+                      <a:tailEnd type="none" w="med" len="med"/>
+                    </a:lnL>
+                    <a:lnR w="12700" cap="flat" cmpd="sng" algn="ctr">
+                      <a:solidFill>
+                        <a:schemeClr val="tx1"/>
+                      </a:solidFill>
+                      <a:prstDash val="solid"/>
+                      <a:round/>
+                      <a:headEnd type="none" w="med" len="med"/>
+                      <a:tailEnd type="none" w="med" len="med"/>
+                    </a:lnR>
+                    <a:lnT w="12700" cap="flat" cmpd="sng" algn="ctr">
+                      <a:solidFill>
+                        <a:schemeClr val="tx1"/>
+                      </a:solidFill>
+                      <a:prstDash val="solid"/>
+                      <a:round/>
+                      <a:headEnd type="none" w="med" len="med"/>
+                      <a:tailEnd type="none" w="med" len="med"/>
+                    </a:lnT>
+                    <a:lnB w="12700" cap="flat" cmpd="sng" algn="ctr">
+                      <a:solidFill>
+                        <a:schemeClr val="tx1"/>
+                      </a:solidFill>
+                      <a:prstDash val="solid"/>
+                      <a:round/>
+                      <a:headEnd type="none" w="med" len="med"/>
+                      <a:tailEnd type="none" w="med" len="med"/>
+                    </a:lnB>
+                    <a:lnTlToBr w="12700" cmpd="sng">
+                      <a:noFill/>
+                      <a:prstDash val="solid"/>
+                    </a:lnTlToBr>
+                    <a:lnBlToTr w="12700" cmpd="sng">
+                      <a:noFill/>
+                      <a:prstDash val="solid"/>
+                    </a:lnBlToTr>
+                    <a:solidFill>
+                      <a:schemeClr val="accent6">
+                        <a:lumMod val="20000"/>
+                        <a:lumOff val="80000"/>
+                      </a:schemeClr>
+                    </a:solidFill>
+                  </a:tcPr>
+                </a:tc>
+                <a:tc>
+                  <a:txBody>
+                    <a:bodyPr/>
+                    <a:lstStyle/>
+                    <a:p>
+                      <a:pPr algn="ctr"/>
+                      <a:r>
+                        <a:rPr lang="en-US" altLang="zh-CN" sz="1200" b="1" i="0" dirty="0">
+                          <a:solidFill>
+                            <a:schemeClr val="tx1"/>
+                          </a:solidFill>
+                        </a:rPr>
+                        <a:t>EndMarker</a:t>
+                      </a:r>
+                      <a:endParaRPr lang="zh-CN" altLang="en-US" sz="1200" b="1" i="0" dirty="0">
+                        <a:solidFill>
+                          <a:schemeClr val="tx1"/>
+                        </a:solidFill>
+                      </a:endParaRPr>
+                    </a:p>
+                  </a:txBody>
+                  <a:tcPr anchor="ctr">
+                    <a:lnL w="12700" cap="flat" cmpd="sng" algn="ctr">
+                      <a:solidFill>
+                        <a:schemeClr val="tx1"/>
+                      </a:solidFill>
+                      <a:prstDash val="solid"/>
+                      <a:round/>
+                      <a:headEnd type="none" w="med" len="med"/>
+                      <a:tailEnd type="none" w="med" len="med"/>
+                    </a:lnL>
+                    <a:lnR w="12700" cap="flat" cmpd="sng" algn="ctr">
+                      <a:solidFill>
+                        <a:schemeClr val="tx1"/>
+                      </a:solidFill>
+                      <a:prstDash val="solid"/>
+                      <a:round/>
+                      <a:headEnd type="none" w="med" len="med"/>
+                      <a:tailEnd type="none" w="med" len="med"/>
+                    </a:lnR>
+                    <a:lnT w="12700" cap="flat" cmpd="sng" algn="ctr">
+                      <a:solidFill>
+                        <a:schemeClr val="tx1"/>
+                      </a:solidFill>
+                      <a:prstDash val="solid"/>
+                      <a:round/>
+                      <a:headEnd type="none" w="med" len="med"/>
+                      <a:tailEnd type="none" w="med" len="med"/>
+                    </a:lnT>
+                    <a:lnB w="12700" cap="flat" cmpd="sng" algn="ctr">
+                      <a:solidFill>
+                        <a:schemeClr val="tx1"/>
+                      </a:solidFill>
+                      <a:prstDash val="solid"/>
+                      <a:round/>
+                      <a:headEnd type="none" w="med" len="med"/>
+                      <a:tailEnd type="none" w="med" len="med"/>
+                    </a:lnB>
+                    <a:lnTlToBr w="12700" cmpd="sng">
+                      <a:noFill/>
+                      <a:prstDash val="solid"/>
+                    </a:lnTlToBr>
+                    <a:lnBlToTr w="12700" cmpd="sng">
+                      <a:noFill/>
+                      <a:prstDash val="solid"/>
+                    </a:lnBlToTr>
+                    <a:noFill/>
+                  </a:tcPr>
+                </a:tc>
+                <a:tc>
+                  <a:txBody>
+                    <a:bodyPr/>
+                    <a:lstStyle/>
+                    <a:p>
+                      <a:pPr algn="ctr"/>
+                      <a:r>
+                        <a:rPr lang="en-US" altLang="zh-CN" sz="1200" b="1" i="0" dirty="0">
+                          <a:solidFill>
+                            <a:schemeClr val="tx1"/>
+                          </a:solidFill>
+                        </a:rPr>
+                        <a:t>maxPointer</a:t>
+                      </a:r>
+                      <a:endParaRPr lang="zh-CN" altLang="en-US" sz="1200" b="1" i="0" dirty="0">
+                        <a:solidFill>
+                          <a:schemeClr val="tx1"/>
+                        </a:solidFill>
+                      </a:endParaRPr>
+                    </a:p>
+                  </a:txBody>
+                  <a:tcPr anchor="ctr">
+                    <a:lnL w="12700" cap="flat" cmpd="sng" algn="ctr">
+                      <a:solidFill>
+                        <a:schemeClr val="tx1"/>
+                      </a:solidFill>
+                      <a:prstDash val="solid"/>
+                      <a:round/>
+                      <a:headEnd type="none" w="med" len="med"/>
+                      <a:tailEnd type="none" w="med" len="med"/>
+                    </a:lnL>
+                    <a:lnR w="12700" cap="flat" cmpd="sng" algn="ctr">
+                      <a:solidFill>
+                        <a:schemeClr val="tx1"/>
+                      </a:solidFill>
+                      <a:prstDash val="solid"/>
+                      <a:round/>
+                      <a:headEnd type="none" w="med" len="med"/>
+                      <a:tailEnd type="none" w="med" len="med"/>
+                    </a:lnR>
+                    <a:lnT w="12700" cap="flat" cmpd="sng" algn="ctr">
+                      <a:solidFill>
+                        <a:schemeClr val="tx1"/>
+                      </a:solidFill>
+                      <a:prstDash val="solid"/>
+                      <a:round/>
+                      <a:headEnd type="none" w="med" len="med"/>
+                      <a:tailEnd type="none" w="med" len="med"/>
+                    </a:lnT>
+                    <a:lnB w="12700" cap="flat" cmpd="sng" algn="ctr">
+                      <a:solidFill>
+                        <a:schemeClr val="tx1"/>
+                      </a:solidFill>
+                      <a:prstDash val="solid"/>
+                      <a:round/>
+                      <a:headEnd type="none" w="med" len="med"/>
+                      <a:tailEnd type="none" w="med" len="med"/>
+                    </a:lnB>
+                    <a:lnTlToBr w="12700" cmpd="sng">
+                      <a:noFill/>
+                      <a:prstDash val="solid"/>
+                    </a:lnTlToBr>
+                    <a:lnBlToTr w="12700" cmpd="sng">
+                      <a:noFill/>
+                      <a:prstDash val="solid"/>
+                    </a:lnBlToTr>
+                    <a:noFill/>
+                  </a:tcPr>
+                </a:tc>
+                <a:tc>
+                  <a:txBody>
+                    <a:bodyPr/>
+                    <a:lstStyle/>
+                    <a:p>
+                      <a:pPr algn="ctr"/>
+                      <a:r>
+                        <a:rPr lang="en-US" altLang="zh-CN" sz="1200" b="1" i="0" kern="1200" dirty="0">
+                          <a:solidFill>
+                            <a:schemeClr val="tx1"/>
+                          </a:solidFill>
+                          <a:effectLst/>
+                          <a:latin typeface="+mn-lt"/>
+                          <a:ea typeface="+mn-ea"/>
+                          <a:cs typeface="+mn-cs"/>
+                        </a:rPr>
+                        <a:t>Footer</a:t>
+                      </a:r>
+                      <a:endParaRPr lang="zh-CN" altLang="en-US" sz="1200" b="1" i="0" dirty="0">
+                        <a:solidFill>
+                          <a:schemeClr val="tx1"/>
+                        </a:solidFill>
+                      </a:endParaRPr>
+                    </a:p>
+                  </a:txBody>
+                  <a:tcPr anchor="ctr">
+                    <a:lnL w="12700" cap="flat" cmpd="sng" algn="ctr">
+                      <a:solidFill>
+                        <a:schemeClr val="tx1"/>
+                      </a:solidFill>
+                      <a:prstDash val="solid"/>
+                      <a:round/>
+                      <a:headEnd type="none" w="med" len="med"/>
+                      <a:tailEnd type="none" w="med" len="med"/>
+                    </a:lnL>
+                    <a:lnR w="12700" cap="flat" cmpd="sng" algn="ctr">
+                      <a:solidFill>
+                        <a:schemeClr val="tx1"/>
+                      </a:solidFill>
+                      <a:prstDash val="solid"/>
+                      <a:round/>
+                      <a:headEnd type="none" w="med" len="med"/>
+                      <a:tailEnd type="none" w="med" len="med"/>
+                    </a:lnR>
+                    <a:lnT w="12700" cap="flat" cmpd="sng" algn="ctr">
+                      <a:solidFill>
+                        <a:schemeClr val="tx1"/>
+                      </a:solidFill>
+                      <a:prstDash val="solid"/>
+                      <a:round/>
+                      <a:headEnd type="none" w="med" len="med"/>
+                      <a:tailEnd type="none" w="med" len="med"/>
+                    </a:lnT>
+                    <a:lnB w="12700" cap="flat" cmpd="sng" algn="ctr">
+                      <a:solidFill>
+                        <a:schemeClr val="tx1"/>
+                      </a:solidFill>
+                      <a:prstDash val="solid"/>
+                      <a:round/>
+                      <a:headEnd type="none" w="med" len="med"/>
+                      <a:tailEnd type="none" w="med" len="med"/>
+                    </a:lnB>
+                    <a:solidFill>
+                      <a:srgbClr val="7030A0"/>
+                    </a:solidFill>
+                  </a:tcPr>
+                </a:tc>
+                <a:extLst>
+                  <a:ext uri="{0D108BD9-81ED-4DB2-BD59-A6C34878D82A}">
+                    <a16:rowId xmlns:a16="http://schemas.microsoft.com/office/drawing/2014/main" val="1027363210"/>
+                  </a:ext>
+                </a:extLst>
+              </a:tr>
+            </a:tbl>
+          </a:graphicData>
+        </a:graphic>
+      </p:graphicFrame>
+      <p:sp>
+        <p:nvSpPr>
+          <p:cNvPr id="18" name="文本框 17">
+            <a:extLst>
+              <a:ext uri="{FF2B5EF4-FFF2-40B4-BE49-F238E27FC236}">
+                <a16:creationId xmlns:a16="http://schemas.microsoft.com/office/drawing/2014/main" id="{634782EB-6DF8-E64B-A411-199D0C134321}"/>
+              </a:ext>
+            </a:extLst>
+          </p:cNvPr>
+          <p:cNvSpPr txBox="1"/>
+          <p:nvPr/>
+        </p:nvSpPr>
+        <p:spPr>
+          <a:xfrm>
+            <a:off x="5873569" y="879243"/>
+            <a:ext cx="570990" cy="369332"/>
+          </a:xfrm>
+          <a:prstGeom prst="rect">
+            <a:avLst/>
+          </a:prstGeom>
+          <a:noFill/>
+        </p:spPr>
+        <p:txBody>
+          <a:bodyPr wrap="none" rtlCol="0">
+            <a:spAutoFit/>
+          </a:bodyPr>
+          <a:lstStyle/>
+          <a:p>
+            <a:r>
+              <a:rPr kumimoji="1" lang="en-US" altLang="zh-CN" dirty="0"/>
+              <a:t>…</a:t>
+            </a:r>
+            <a:r>
+              <a:rPr kumimoji="1" lang="zh-CN" altLang="en-US" dirty="0"/>
+              <a:t> </a:t>
+            </a:r>
+            <a:r>
+              <a:rPr kumimoji="1" lang="en-US" altLang="zh-CN" dirty="0"/>
+              <a:t>…</a:t>
+            </a:r>
+            <a:endParaRPr kumimoji="1" lang="zh-CN" altLang="en-US" dirty="0"/>
+          </a:p>
+        </p:txBody>
+      </p:sp>
     </p:spTree>
     <p:extLst>
       <p:ext uri="{BB962C8B-B14F-4D97-AF65-F5344CB8AC3E}">
